--- a/Later/RESTFul_Spring_2/1/Introduction to Web Service Application Layers.pptx
+++ b/Later/RESTFul_Spring_2/1/Introduction to Web Service Application Layers.pptx
@@ -11,7 +11,7 @@
     <p:sldId id="465" r:id="rId2"/>
     <p:sldId id="466" r:id="rId3"/>
   </p:sldIdLst>
-  <p:sldSz cx="9144000" cy="5029200"/>
+  <p:sldSz cx="8940800" cy="5029200"/>
   <p:notesSz cx="6858000" cy="9144000"/>
   <p:defaultTextStyle>
     <a:defPPr>
@@ -111,12 +111,12 @@
   <p:extLst>
     <p:ext uri="{EFAFB233-063F-42B5-8137-9DF3F51BA10A}">
       <p15:sldGuideLst xmlns:p15="http://schemas.microsoft.com/office/powerpoint/2012/main">
-        <p15:guide id="1" orient="horz" pos="1585">
+        <p15:guide id="1" orient="horz" pos="1585" userDrawn="1">
           <p15:clr>
             <a:srgbClr val="A4A3A4"/>
           </p15:clr>
         </p15:guide>
-        <p15:guide id="2" pos="2880">
+        <p15:guide id="2" pos="2816" userDrawn="1">
           <p15:clr>
             <a:srgbClr val="A4A3A4"/>
           </p15:clr>
@@ -223,7 +223,7 @@
           <a:p>
             <a:fld id="{62274EC6-3890-417B-9308-14EFBD00FA63}" type="datetimeFigureOut">
               <a:rPr lang="en-US" smtClean="0"/>
-              <a:t>4/7/2021</a:t>
+              <a:t>4/19/2021</a:t>
             </a:fld>
             <a:endParaRPr lang="en-US" dirty="0"/>
           </a:p>
@@ -241,8 +241,8 @@
         </p:nvSpPr>
         <p:spPr>
           <a:xfrm>
-            <a:off x="312738" y="685800"/>
-            <a:ext cx="6232525" cy="3429000"/>
+            <a:off x="381000" y="685800"/>
+            <a:ext cx="6096000" cy="3429000"/>
           </a:xfrm>
           <a:prstGeom prst="rect">
             <a:avLst/>
@@ -519,8 +519,8 @@
         </p:nvSpPr>
         <p:spPr>
           <a:xfrm>
-            <a:off x="312738" y="685800"/>
-            <a:ext cx="6232525" cy="3429000"/>
+            <a:off x="381000" y="685800"/>
+            <a:ext cx="6096000" cy="3429000"/>
           </a:xfrm>
         </p:spPr>
       </p:sp>
@@ -608,8 +608,8 @@
         </p:nvSpPr>
         <p:spPr>
           <a:xfrm>
-            <a:off x="312738" y="685800"/>
-            <a:ext cx="6232525" cy="3429000"/>
+            <a:off x="381000" y="685800"/>
+            <a:ext cx="6096000" cy="3429000"/>
           </a:xfrm>
         </p:spPr>
       </p:sp>
@@ -697,8 +697,8 @@
         </p:nvSpPr>
         <p:spPr>
           <a:xfrm>
-            <a:off x="685800" y="1562312"/>
-            <a:ext cx="7772400" cy="1078018"/>
+            <a:off x="670560" y="1562312"/>
+            <a:ext cx="7599680" cy="1078018"/>
           </a:xfrm>
         </p:spPr>
         <p:txBody>
@@ -724,8 +724,8 @@
         </p:nvSpPr>
         <p:spPr>
           <a:xfrm>
-            <a:off x="1371600" y="2849880"/>
-            <a:ext cx="6400800" cy="1285240"/>
+            <a:off x="1341120" y="2849880"/>
+            <a:ext cx="6258560" cy="1285240"/>
           </a:xfrm>
         </p:spPr>
         <p:txBody>
@@ -741,7 +741,7 @@
                 </a:solidFill>
               </a:defRPr>
             </a:lvl1pPr>
-            <a:lvl2pPr marL="457200" indent="0" algn="ctr">
+            <a:lvl2pPr marL="447050" indent="0" algn="ctr">
               <a:buNone/>
               <a:defRPr>
                 <a:solidFill>
@@ -751,7 +751,7 @@
                 </a:solidFill>
               </a:defRPr>
             </a:lvl2pPr>
-            <a:lvl3pPr marL="914400" indent="0" algn="ctr">
+            <a:lvl3pPr marL="894100" indent="0" algn="ctr">
               <a:buNone/>
               <a:defRPr>
                 <a:solidFill>
@@ -761,7 +761,7 @@
                 </a:solidFill>
               </a:defRPr>
             </a:lvl3pPr>
-            <a:lvl4pPr marL="1371600" indent="0" algn="ctr">
+            <a:lvl4pPr marL="1341150" indent="0" algn="ctr">
               <a:buNone/>
               <a:defRPr>
                 <a:solidFill>
@@ -771,7 +771,7 @@
                 </a:solidFill>
               </a:defRPr>
             </a:lvl4pPr>
-            <a:lvl5pPr marL="1828800" indent="0" algn="ctr">
+            <a:lvl5pPr marL="1788201" indent="0" algn="ctr">
               <a:buNone/>
               <a:defRPr>
                 <a:solidFill>
@@ -781,7 +781,7 @@
                 </a:solidFill>
               </a:defRPr>
             </a:lvl5pPr>
-            <a:lvl6pPr marL="2286000" indent="0" algn="ctr">
+            <a:lvl6pPr marL="2235251" indent="0" algn="ctr">
               <a:buNone/>
               <a:defRPr>
                 <a:solidFill>
@@ -791,7 +791,7 @@
                 </a:solidFill>
               </a:defRPr>
             </a:lvl6pPr>
-            <a:lvl7pPr marL="2743200" indent="0" algn="ctr">
+            <a:lvl7pPr marL="2682301" indent="0" algn="ctr">
               <a:buNone/>
               <a:defRPr>
                 <a:solidFill>
@@ -801,7 +801,7 @@
                 </a:solidFill>
               </a:defRPr>
             </a:lvl7pPr>
-            <a:lvl8pPr marL="3200400" indent="0" algn="ctr">
+            <a:lvl8pPr marL="3129351" indent="0" algn="ctr">
               <a:buNone/>
               <a:defRPr>
                 <a:solidFill>
@@ -811,7 +811,7 @@
                 </a:solidFill>
               </a:defRPr>
             </a:lvl8pPr>
-            <a:lvl9pPr marL="3657600" indent="0" algn="ctr">
+            <a:lvl9pPr marL="3576401" indent="0" algn="ctr">
               <a:buNone/>
               <a:defRPr>
                 <a:solidFill>
@@ -848,7 +848,7 @@
             <a:fld id="{1D8BD707-D9CF-40AE-B4C6-C98DA3205C09}" type="datetimeFigureOut">
               <a:rPr lang="en-US" smtClean="0"/>
               <a:pPr/>
-              <a:t>4/7/2021</a:t>
+              <a:t>4/19/2021</a:t>
             </a:fld>
             <a:endParaRPr lang="en-US" dirty="0"/>
           </a:p>
@@ -1018,7 +1018,7 @@
             <a:fld id="{1D8BD707-D9CF-40AE-B4C6-C98DA3205C09}" type="datetimeFigureOut">
               <a:rPr lang="en-US" smtClean="0"/>
               <a:pPr/>
-              <a:t>4/7/2021</a:t>
+              <a:t>4/19/2021</a:t>
             </a:fld>
             <a:endParaRPr lang="en-US" dirty="0"/>
           </a:p>
@@ -1109,8 +1109,8 @@
         </p:nvSpPr>
         <p:spPr>
           <a:xfrm>
-            <a:off x="6629400" y="147850"/>
-            <a:ext cx="2057400" cy="3146742"/>
+            <a:off x="6482080" y="147850"/>
+            <a:ext cx="2011680" cy="3146742"/>
           </a:xfrm>
         </p:spPr>
         <p:txBody>
@@ -1136,8 +1136,8 @@
         </p:nvSpPr>
         <p:spPr>
           <a:xfrm>
-            <a:off x="457200" y="147850"/>
-            <a:ext cx="6019800" cy="3146742"/>
+            <a:off x="447040" y="147850"/>
+            <a:ext cx="5886027" cy="3146742"/>
           </a:xfrm>
         </p:spPr>
         <p:txBody>
@@ -1198,7 +1198,7 @@
             <a:fld id="{1D8BD707-D9CF-40AE-B4C6-C98DA3205C09}" type="datetimeFigureOut">
               <a:rPr lang="en-US" smtClean="0"/>
               <a:pPr/>
-              <a:t>4/7/2021</a:t>
+              <a:t>4/19/2021</a:t>
             </a:fld>
             <a:endParaRPr lang="en-US" dirty="0"/>
           </a:p>
@@ -1368,7 +1368,7 @@
             <a:fld id="{1D8BD707-D9CF-40AE-B4C6-C98DA3205C09}" type="datetimeFigureOut">
               <a:rPr lang="en-US" smtClean="0"/>
               <a:pPr/>
-              <a:t>4/7/2021</a:t>
+              <a:t>4/19/2021</a:t>
             </a:fld>
             <a:endParaRPr lang="en-US" dirty="0"/>
           </a:p>
@@ -1459,15 +1459,15 @@
         </p:nvSpPr>
         <p:spPr>
           <a:xfrm>
-            <a:off x="722313" y="3231729"/>
-            <a:ext cx="7772400" cy="998855"/>
+            <a:off x="706262" y="3231730"/>
+            <a:ext cx="7599680" cy="998855"/>
           </a:xfrm>
         </p:spPr>
         <p:txBody>
           <a:bodyPr anchor="t"/>
           <a:lstStyle>
             <a:lvl1pPr algn="l">
-              <a:defRPr sz="4000" b="1" cap="all"/>
+              <a:defRPr sz="3911" b="1" cap="all"/>
             </a:lvl1pPr>
           </a:lstStyle>
           <a:p>
@@ -1490,8 +1490,8 @@
         </p:nvSpPr>
         <p:spPr>
           <a:xfrm>
-            <a:off x="722313" y="2131592"/>
-            <a:ext cx="7772400" cy="1100137"/>
+            <a:off x="706262" y="2131593"/>
+            <a:ext cx="7599680" cy="1100137"/>
           </a:xfrm>
         </p:spPr>
         <p:txBody>
@@ -1499,7 +1499,7 @@
           <a:lstStyle>
             <a:lvl1pPr marL="0" indent="0">
               <a:buNone/>
-              <a:defRPr sz="2000">
+              <a:defRPr sz="1956">
                 <a:solidFill>
                   <a:schemeClr val="tx1">
                     <a:tint val="75000"/>
@@ -1507,9 +1507,9 @@
                 </a:solidFill>
               </a:defRPr>
             </a:lvl1pPr>
-            <a:lvl2pPr marL="457200" indent="0">
-              <a:buNone/>
-              <a:defRPr sz="1800">
+            <a:lvl2pPr marL="447050" indent="0">
+              <a:buNone/>
+              <a:defRPr sz="1760">
                 <a:solidFill>
                   <a:schemeClr val="tx1">
                     <a:tint val="75000"/>
@@ -1517,9 +1517,9 @@
                 </a:solidFill>
               </a:defRPr>
             </a:lvl2pPr>
-            <a:lvl3pPr marL="914400" indent="0">
-              <a:buNone/>
-              <a:defRPr sz="1600">
+            <a:lvl3pPr marL="894100" indent="0">
+              <a:buNone/>
+              <a:defRPr sz="1564">
                 <a:solidFill>
                   <a:schemeClr val="tx1">
                     <a:tint val="75000"/>
@@ -1527,9 +1527,9 @@
                 </a:solidFill>
               </a:defRPr>
             </a:lvl3pPr>
-            <a:lvl4pPr marL="1371600" indent="0">
-              <a:buNone/>
-              <a:defRPr sz="1400">
+            <a:lvl4pPr marL="1341150" indent="0">
+              <a:buNone/>
+              <a:defRPr sz="1369">
                 <a:solidFill>
                   <a:schemeClr val="tx1">
                     <a:tint val="75000"/>
@@ -1537,9 +1537,9 @@
                 </a:solidFill>
               </a:defRPr>
             </a:lvl4pPr>
-            <a:lvl5pPr marL="1828800" indent="0">
-              <a:buNone/>
-              <a:defRPr sz="1400">
+            <a:lvl5pPr marL="1788201" indent="0">
+              <a:buNone/>
+              <a:defRPr sz="1369">
                 <a:solidFill>
                   <a:schemeClr val="tx1">
                     <a:tint val="75000"/>
@@ -1547,9 +1547,9 @@
                 </a:solidFill>
               </a:defRPr>
             </a:lvl5pPr>
-            <a:lvl6pPr marL="2286000" indent="0">
-              <a:buNone/>
-              <a:defRPr sz="1400">
+            <a:lvl6pPr marL="2235251" indent="0">
+              <a:buNone/>
+              <a:defRPr sz="1369">
                 <a:solidFill>
                   <a:schemeClr val="tx1">
                     <a:tint val="75000"/>
@@ -1557,9 +1557,9 @@
                 </a:solidFill>
               </a:defRPr>
             </a:lvl6pPr>
-            <a:lvl7pPr marL="2743200" indent="0">
-              <a:buNone/>
-              <a:defRPr sz="1400">
+            <a:lvl7pPr marL="2682301" indent="0">
+              <a:buNone/>
+              <a:defRPr sz="1369">
                 <a:solidFill>
                   <a:schemeClr val="tx1">
                     <a:tint val="75000"/>
@@ -1567,9 +1567,9 @@
                 </a:solidFill>
               </a:defRPr>
             </a:lvl7pPr>
-            <a:lvl8pPr marL="3200400" indent="0">
-              <a:buNone/>
-              <a:defRPr sz="1400">
+            <a:lvl8pPr marL="3129351" indent="0">
+              <a:buNone/>
+              <a:defRPr sz="1369">
                 <a:solidFill>
                   <a:schemeClr val="tx1">
                     <a:tint val="75000"/>
@@ -1577,9 +1577,9 @@
                 </a:solidFill>
               </a:defRPr>
             </a:lvl8pPr>
-            <a:lvl9pPr marL="3657600" indent="0">
-              <a:buNone/>
-              <a:defRPr sz="1400">
+            <a:lvl9pPr marL="3576401" indent="0">
+              <a:buNone/>
+              <a:defRPr sz="1369">
                 <a:solidFill>
                   <a:schemeClr val="tx1">
                     <a:tint val="75000"/>
@@ -1615,7 +1615,7 @@
             <a:fld id="{1D8BD707-D9CF-40AE-B4C6-C98DA3205C09}" type="datetimeFigureOut">
               <a:rPr lang="en-US" smtClean="0"/>
               <a:pPr/>
-              <a:t>4/7/2021</a:t>
+              <a:t>4/19/2021</a:t>
             </a:fld>
             <a:endParaRPr lang="en-US" dirty="0"/>
           </a:p>
@@ -1728,39 +1728,39 @@
         </p:nvSpPr>
         <p:spPr>
           <a:xfrm>
-            <a:off x="457200" y="860320"/>
-            <a:ext cx="4038600" cy="2434272"/>
+            <a:off x="447040" y="860320"/>
+            <a:ext cx="3948853" cy="2434272"/>
           </a:xfrm>
         </p:spPr>
         <p:txBody>
           <a:bodyPr/>
           <a:lstStyle>
             <a:lvl1pPr>
-              <a:defRPr sz="2800"/>
+              <a:defRPr sz="2738"/>
             </a:lvl1pPr>
             <a:lvl2pPr>
-              <a:defRPr sz="2400"/>
+              <a:defRPr sz="2347"/>
             </a:lvl2pPr>
             <a:lvl3pPr>
-              <a:defRPr sz="2000"/>
+              <a:defRPr sz="1956"/>
             </a:lvl3pPr>
             <a:lvl4pPr>
-              <a:defRPr sz="1800"/>
+              <a:defRPr sz="1760"/>
             </a:lvl4pPr>
             <a:lvl5pPr>
-              <a:defRPr sz="1800"/>
+              <a:defRPr sz="1760"/>
             </a:lvl5pPr>
             <a:lvl6pPr>
-              <a:defRPr sz="1800"/>
+              <a:defRPr sz="1760"/>
             </a:lvl6pPr>
             <a:lvl7pPr>
-              <a:defRPr sz="1800"/>
+              <a:defRPr sz="1760"/>
             </a:lvl7pPr>
             <a:lvl8pPr>
-              <a:defRPr sz="1800"/>
+              <a:defRPr sz="1760"/>
             </a:lvl8pPr>
             <a:lvl9pPr>
-              <a:defRPr sz="1800"/>
+              <a:defRPr sz="1760"/>
             </a:lvl9pPr>
           </a:lstStyle>
           <a:p>
@@ -1812,39 +1812,39 @@
         </p:nvSpPr>
         <p:spPr>
           <a:xfrm>
-            <a:off x="4648200" y="860320"/>
-            <a:ext cx="4038600" cy="2434272"/>
+            <a:off x="4544907" y="860320"/>
+            <a:ext cx="3948853" cy="2434272"/>
           </a:xfrm>
         </p:spPr>
         <p:txBody>
           <a:bodyPr/>
           <a:lstStyle>
             <a:lvl1pPr>
-              <a:defRPr sz="2800"/>
+              <a:defRPr sz="2738"/>
             </a:lvl1pPr>
             <a:lvl2pPr>
-              <a:defRPr sz="2400"/>
+              <a:defRPr sz="2347"/>
             </a:lvl2pPr>
             <a:lvl3pPr>
-              <a:defRPr sz="2000"/>
+              <a:defRPr sz="1956"/>
             </a:lvl3pPr>
             <a:lvl4pPr>
-              <a:defRPr sz="1800"/>
+              <a:defRPr sz="1760"/>
             </a:lvl4pPr>
             <a:lvl5pPr>
-              <a:defRPr sz="1800"/>
+              <a:defRPr sz="1760"/>
             </a:lvl5pPr>
             <a:lvl6pPr>
-              <a:defRPr sz="1800"/>
+              <a:defRPr sz="1760"/>
             </a:lvl6pPr>
             <a:lvl7pPr>
-              <a:defRPr sz="1800"/>
+              <a:defRPr sz="1760"/>
             </a:lvl7pPr>
             <a:lvl8pPr>
-              <a:defRPr sz="1800"/>
+              <a:defRPr sz="1760"/>
             </a:lvl8pPr>
             <a:lvl9pPr>
-              <a:defRPr sz="1800"/>
+              <a:defRPr sz="1760"/>
             </a:lvl9pPr>
           </a:lstStyle>
           <a:p>
@@ -1902,7 +1902,7 @@
             <a:fld id="{1D8BD707-D9CF-40AE-B4C6-C98DA3205C09}" type="datetimeFigureOut">
               <a:rPr lang="en-US" smtClean="0"/>
               <a:pPr/>
-              <a:t>4/7/2021</a:t>
+              <a:t>4/19/2021</a:t>
             </a:fld>
             <a:endParaRPr lang="en-US" dirty="0"/>
           </a:p>
@@ -1993,8 +1993,8 @@
         </p:nvSpPr>
         <p:spPr>
           <a:xfrm>
-            <a:off x="457200" y="201401"/>
-            <a:ext cx="8229600" cy="838200"/>
+            <a:off x="447040" y="201401"/>
+            <a:ext cx="8046720" cy="838200"/>
           </a:xfrm>
         </p:spPr>
         <p:txBody>
@@ -2024,8 +2024,8 @@
         </p:nvSpPr>
         <p:spPr>
           <a:xfrm>
-            <a:off x="457200" y="1125749"/>
-            <a:ext cx="4040188" cy="469159"/>
+            <a:off x="447040" y="1125750"/>
+            <a:ext cx="3950406" cy="469159"/>
           </a:xfrm>
         </p:spPr>
         <p:txBody>
@@ -2033,39 +2033,39 @@
           <a:lstStyle>
             <a:lvl1pPr marL="0" indent="0">
               <a:buNone/>
-              <a:defRPr sz="2400" b="1"/>
+              <a:defRPr sz="2347" b="1"/>
             </a:lvl1pPr>
-            <a:lvl2pPr marL="457200" indent="0">
-              <a:buNone/>
-              <a:defRPr sz="2000" b="1"/>
+            <a:lvl2pPr marL="447050" indent="0">
+              <a:buNone/>
+              <a:defRPr sz="1956" b="1"/>
             </a:lvl2pPr>
-            <a:lvl3pPr marL="914400" indent="0">
-              <a:buNone/>
-              <a:defRPr sz="1800" b="1"/>
+            <a:lvl3pPr marL="894100" indent="0">
+              <a:buNone/>
+              <a:defRPr sz="1760" b="1"/>
             </a:lvl3pPr>
-            <a:lvl4pPr marL="1371600" indent="0">
-              <a:buNone/>
-              <a:defRPr sz="1600" b="1"/>
+            <a:lvl4pPr marL="1341150" indent="0">
+              <a:buNone/>
+              <a:defRPr sz="1564" b="1"/>
             </a:lvl4pPr>
-            <a:lvl5pPr marL="1828800" indent="0">
-              <a:buNone/>
-              <a:defRPr sz="1600" b="1"/>
+            <a:lvl5pPr marL="1788201" indent="0">
+              <a:buNone/>
+              <a:defRPr sz="1564" b="1"/>
             </a:lvl5pPr>
-            <a:lvl6pPr marL="2286000" indent="0">
-              <a:buNone/>
-              <a:defRPr sz="1600" b="1"/>
+            <a:lvl6pPr marL="2235251" indent="0">
+              <a:buNone/>
+              <a:defRPr sz="1564" b="1"/>
             </a:lvl6pPr>
-            <a:lvl7pPr marL="2743200" indent="0">
-              <a:buNone/>
-              <a:defRPr sz="1600" b="1"/>
+            <a:lvl7pPr marL="2682301" indent="0">
+              <a:buNone/>
+              <a:defRPr sz="1564" b="1"/>
             </a:lvl7pPr>
-            <a:lvl8pPr marL="3200400" indent="0">
-              <a:buNone/>
-              <a:defRPr sz="1600" b="1"/>
+            <a:lvl8pPr marL="3129351" indent="0">
+              <a:buNone/>
+              <a:defRPr sz="1564" b="1"/>
             </a:lvl8pPr>
-            <a:lvl9pPr marL="3657600" indent="0">
-              <a:buNone/>
-              <a:defRPr sz="1600" b="1"/>
+            <a:lvl9pPr marL="3576401" indent="0">
+              <a:buNone/>
+              <a:defRPr sz="1564" b="1"/>
             </a:lvl9pPr>
           </a:lstStyle>
           <a:p>
@@ -2089,39 +2089,39 @@
         </p:nvSpPr>
         <p:spPr>
           <a:xfrm>
-            <a:off x="457200" y="1594908"/>
-            <a:ext cx="4040188" cy="2897611"/>
+            <a:off x="447040" y="1594909"/>
+            <a:ext cx="3950406" cy="2897611"/>
           </a:xfrm>
         </p:spPr>
         <p:txBody>
           <a:bodyPr/>
           <a:lstStyle>
             <a:lvl1pPr>
-              <a:defRPr sz="2400"/>
+              <a:defRPr sz="2347"/>
             </a:lvl1pPr>
             <a:lvl2pPr>
-              <a:defRPr sz="2000"/>
+              <a:defRPr sz="1956"/>
             </a:lvl2pPr>
             <a:lvl3pPr>
-              <a:defRPr sz="1800"/>
+              <a:defRPr sz="1760"/>
             </a:lvl3pPr>
             <a:lvl4pPr>
-              <a:defRPr sz="1600"/>
+              <a:defRPr sz="1564"/>
             </a:lvl4pPr>
             <a:lvl5pPr>
-              <a:defRPr sz="1600"/>
+              <a:defRPr sz="1564"/>
             </a:lvl5pPr>
             <a:lvl6pPr>
-              <a:defRPr sz="1600"/>
+              <a:defRPr sz="1564"/>
             </a:lvl6pPr>
             <a:lvl7pPr>
-              <a:defRPr sz="1600"/>
+              <a:defRPr sz="1564"/>
             </a:lvl7pPr>
             <a:lvl8pPr>
-              <a:defRPr sz="1600"/>
+              <a:defRPr sz="1564"/>
             </a:lvl8pPr>
             <a:lvl9pPr>
-              <a:defRPr sz="1600"/>
+              <a:defRPr sz="1564"/>
             </a:lvl9pPr>
           </a:lstStyle>
           <a:p>
@@ -2173,8 +2173,8 @@
         </p:nvSpPr>
         <p:spPr>
           <a:xfrm>
-            <a:off x="4645030" y="1125749"/>
-            <a:ext cx="4041775" cy="469159"/>
+            <a:off x="4541807" y="1125750"/>
+            <a:ext cx="3951958" cy="469159"/>
           </a:xfrm>
         </p:spPr>
         <p:txBody>
@@ -2182,39 +2182,39 @@
           <a:lstStyle>
             <a:lvl1pPr marL="0" indent="0">
               <a:buNone/>
-              <a:defRPr sz="2400" b="1"/>
+              <a:defRPr sz="2347" b="1"/>
             </a:lvl1pPr>
-            <a:lvl2pPr marL="457200" indent="0">
-              <a:buNone/>
-              <a:defRPr sz="2000" b="1"/>
+            <a:lvl2pPr marL="447050" indent="0">
+              <a:buNone/>
+              <a:defRPr sz="1956" b="1"/>
             </a:lvl2pPr>
-            <a:lvl3pPr marL="914400" indent="0">
-              <a:buNone/>
-              <a:defRPr sz="1800" b="1"/>
+            <a:lvl3pPr marL="894100" indent="0">
+              <a:buNone/>
+              <a:defRPr sz="1760" b="1"/>
             </a:lvl3pPr>
-            <a:lvl4pPr marL="1371600" indent="0">
-              <a:buNone/>
-              <a:defRPr sz="1600" b="1"/>
+            <a:lvl4pPr marL="1341150" indent="0">
+              <a:buNone/>
+              <a:defRPr sz="1564" b="1"/>
             </a:lvl4pPr>
-            <a:lvl5pPr marL="1828800" indent="0">
-              <a:buNone/>
-              <a:defRPr sz="1600" b="1"/>
+            <a:lvl5pPr marL="1788201" indent="0">
+              <a:buNone/>
+              <a:defRPr sz="1564" b="1"/>
             </a:lvl5pPr>
-            <a:lvl6pPr marL="2286000" indent="0">
-              <a:buNone/>
-              <a:defRPr sz="1600" b="1"/>
+            <a:lvl6pPr marL="2235251" indent="0">
+              <a:buNone/>
+              <a:defRPr sz="1564" b="1"/>
             </a:lvl6pPr>
-            <a:lvl7pPr marL="2743200" indent="0">
-              <a:buNone/>
-              <a:defRPr sz="1600" b="1"/>
+            <a:lvl7pPr marL="2682301" indent="0">
+              <a:buNone/>
+              <a:defRPr sz="1564" b="1"/>
             </a:lvl7pPr>
-            <a:lvl8pPr marL="3200400" indent="0">
-              <a:buNone/>
-              <a:defRPr sz="1600" b="1"/>
+            <a:lvl8pPr marL="3129351" indent="0">
+              <a:buNone/>
+              <a:defRPr sz="1564" b="1"/>
             </a:lvl8pPr>
-            <a:lvl9pPr marL="3657600" indent="0">
-              <a:buNone/>
-              <a:defRPr sz="1600" b="1"/>
+            <a:lvl9pPr marL="3576401" indent="0">
+              <a:buNone/>
+              <a:defRPr sz="1564" b="1"/>
             </a:lvl9pPr>
           </a:lstStyle>
           <a:p>
@@ -2238,39 +2238,39 @@
         </p:nvSpPr>
         <p:spPr>
           <a:xfrm>
-            <a:off x="4645030" y="1594908"/>
-            <a:ext cx="4041775" cy="2897611"/>
+            <a:off x="4541807" y="1594909"/>
+            <a:ext cx="3951958" cy="2897611"/>
           </a:xfrm>
         </p:spPr>
         <p:txBody>
           <a:bodyPr/>
           <a:lstStyle>
             <a:lvl1pPr>
-              <a:defRPr sz="2400"/>
+              <a:defRPr sz="2347"/>
             </a:lvl1pPr>
             <a:lvl2pPr>
-              <a:defRPr sz="2000"/>
+              <a:defRPr sz="1956"/>
             </a:lvl2pPr>
             <a:lvl3pPr>
-              <a:defRPr sz="1800"/>
+              <a:defRPr sz="1760"/>
             </a:lvl3pPr>
             <a:lvl4pPr>
-              <a:defRPr sz="1600"/>
+              <a:defRPr sz="1564"/>
             </a:lvl4pPr>
             <a:lvl5pPr>
-              <a:defRPr sz="1600"/>
+              <a:defRPr sz="1564"/>
             </a:lvl5pPr>
             <a:lvl6pPr>
-              <a:defRPr sz="1600"/>
+              <a:defRPr sz="1564"/>
             </a:lvl6pPr>
             <a:lvl7pPr>
-              <a:defRPr sz="1600"/>
+              <a:defRPr sz="1564"/>
             </a:lvl7pPr>
             <a:lvl8pPr>
-              <a:defRPr sz="1600"/>
+              <a:defRPr sz="1564"/>
             </a:lvl8pPr>
             <a:lvl9pPr>
-              <a:defRPr sz="1600"/>
+              <a:defRPr sz="1564"/>
             </a:lvl9pPr>
           </a:lstStyle>
           <a:p>
@@ -2328,7 +2328,7 @@
             <a:fld id="{1D8BD707-D9CF-40AE-B4C6-C98DA3205C09}" type="datetimeFigureOut">
               <a:rPr lang="en-US" smtClean="0"/>
               <a:pPr/>
-              <a:t>4/7/2021</a:t>
+              <a:t>4/19/2021</a:t>
             </a:fld>
             <a:endParaRPr lang="en-US" dirty="0"/>
           </a:p>
@@ -2447,7 +2447,7 @@
             <a:fld id="{1D8BD707-D9CF-40AE-B4C6-C98DA3205C09}" type="datetimeFigureOut">
               <a:rPr lang="en-US" smtClean="0"/>
               <a:pPr/>
-              <a:t>4/7/2021</a:t>
+              <a:t>4/19/2021</a:t>
             </a:fld>
             <a:endParaRPr lang="en-US" dirty="0"/>
           </a:p>
@@ -2544,7 +2544,7 @@
             <a:fld id="{1D8BD707-D9CF-40AE-B4C6-C98DA3205C09}" type="datetimeFigureOut">
               <a:rPr lang="en-US" smtClean="0"/>
               <a:pPr/>
-              <a:t>4/7/2021</a:t>
+              <a:t>4/19/2021</a:t>
             </a:fld>
             <a:endParaRPr lang="en-US" dirty="0"/>
           </a:p>
@@ -2635,15 +2635,15 @@
         </p:nvSpPr>
         <p:spPr>
           <a:xfrm>
-            <a:off x="457205" y="200237"/>
-            <a:ext cx="3008313" cy="852170"/>
+            <a:off x="447045" y="200237"/>
+            <a:ext cx="2941462" cy="852170"/>
           </a:xfrm>
         </p:spPr>
         <p:txBody>
           <a:bodyPr anchor="b"/>
           <a:lstStyle>
             <a:lvl1pPr algn="l">
-              <a:defRPr sz="2000" b="1"/>
+              <a:defRPr sz="1956" b="1"/>
             </a:lvl1pPr>
           </a:lstStyle>
           <a:p>
@@ -2666,39 +2666,39 @@
         </p:nvSpPr>
         <p:spPr>
           <a:xfrm>
-            <a:off x="3575050" y="200239"/>
-            <a:ext cx="5111750" cy="4292283"/>
+            <a:off x="3495604" y="200240"/>
+            <a:ext cx="4998156" cy="4292283"/>
           </a:xfrm>
         </p:spPr>
         <p:txBody>
           <a:bodyPr/>
           <a:lstStyle>
             <a:lvl1pPr>
-              <a:defRPr sz="3200"/>
+              <a:defRPr sz="3129"/>
             </a:lvl1pPr>
             <a:lvl2pPr>
-              <a:defRPr sz="2800"/>
+              <a:defRPr sz="2738"/>
             </a:lvl2pPr>
             <a:lvl3pPr>
-              <a:defRPr sz="2400"/>
+              <a:defRPr sz="2347"/>
             </a:lvl3pPr>
             <a:lvl4pPr>
-              <a:defRPr sz="2000"/>
+              <a:defRPr sz="1956"/>
             </a:lvl4pPr>
             <a:lvl5pPr>
-              <a:defRPr sz="2000"/>
+              <a:defRPr sz="1956"/>
             </a:lvl5pPr>
             <a:lvl6pPr>
-              <a:defRPr sz="2000"/>
+              <a:defRPr sz="1956"/>
             </a:lvl6pPr>
             <a:lvl7pPr>
-              <a:defRPr sz="2000"/>
+              <a:defRPr sz="1956"/>
             </a:lvl7pPr>
             <a:lvl8pPr>
-              <a:defRPr sz="2000"/>
+              <a:defRPr sz="1956"/>
             </a:lvl8pPr>
             <a:lvl9pPr>
-              <a:defRPr sz="2000"/>
+              <a:defRPr sz="1956"/>
             </a:lvl9pPr>
           </a:lstStyle>
           <a:p>
@@ -2750,8 +2750,8 @@
         </p:nvSpPr>
         <p:spPr>
           <a:xfrm>
-            <a:off x="457205" y="1052409"/>
-            <a:ext cx="3008313" cy="3440113"/>
+            <a:off x="447045" y="1052410"/>
+            <a:ext cx="2941462" cy="3440113"/>
           </a:xfrm>
         </p:spPr>
         <p:txBody>
@@ -2759,39 +2759,39 @@
           <a:lstStyle>
             <a:lvl1pPr marL="0" indent="0">
               <a:buNone/>
-              <a:defRPr sz="1400"/>
+              <a:defRPr sz="1369"/>
             </a:lvl1pPr>
-            <a:lvl2pPr marL="457200" indent="0">
-              <a:buNone/>
-              <a:defRPr sz="1200"/>
+            <a:lvl2pPr marL="447050" indent="0">
+              <a:buNone/>
+              <a:defRPr sz="1173"/>
             </a:lvl2pPr>
-            <a:lvl3pPr marL="914400" indent="0">
-              <a:buNone/>
-              <a:defRPr sz="1000"/>
+            <a:lvl3pPr marL="894100" indent="0">
+              <a:buNone/>
+              <a:defRPr sz="978"/>
             </a:lvl3pPr>
-            <a:lvl4pPr marL="1371600" indent="0">
-              <a:buNone/>
-              <a:defRPr sz="900"/>
+            <a:lvl4pPr marL="1341150" indent="0">
+              <a:buNone/>
+              <a:defRPr sz="880"/>
             </a:lvl4pPr>
-            <a:lvl5pPr marL="1828800" indent="0">
-              <a:buNone/>
-              <a:defRPr sz="900"/>
+            <a:lvl5pPr marL="1788201" indent="0">
+              <a:buNone/>
+              <a:defRPr sz="880"/>
             </a:lvl5pPr>
-            <a:lvl6pPr marL="2286000" indent="0">
-              <a:buNone/>
-              <a:defRPr sz="900"/>
+            <a:lvl6pPr marL="2235251" indent="0">
+              <a:buNone/>
+              <a:defRPr sz="880"/>
             </a:lvl6pPr>
-            <a:lvl7pPr marL="2743200" indent="0">
-              <a:buNone/>
-              <a:defRPr sz="900"/>
+            <a:lvl7pPr marL="2682301" indent="0">
+              <a:buNone/>
+              <a:defRPr sz="880"/>
             </a:lvl7pPr>
-            <a:lvl8pPr marL="3200400" indent="0">
-              <a:buNone/>
-              <a:defRPr sz="900"/>
+            <a:lvl8pPr marL="3129351" indent="0">
+              <a:buNone/>
+              <a:defRPr sz="880"/>
             </a:lvl8pPr>
-            <a:lvl9pPr marL="3657600" indent="0">
-              <a:buNone/>
-              <a:defRPr sz="900"/>
+            <a:lvl9pPr marL="3576401" indent="0">
+              <a:buNone/>
+              <a:defRPr sz="880"/>
             </a:lvl9pPr>
           </a:lstStyle>
           <a:p>
@@ -2821,7 +2821,7 @@
             <a:fld id="{1D8BD707-D9CF-40AE-B4C6-C98DA3205C09}" type="datetimeFigureOut">
               <a:rPr lang="en-US" smtClean="0"/>
               <a:pPr/>
-              <a:t>4/7/2021</a:t>
+              <a:t>4/19/2021</a:t>
             </a:fld>
             <a:endParaRPr lang="en-US" dirty="0"/>
           </a:p>
@@ -2912,15 +2912,15 @@
         </p:nvSpPr>
         <p:spPr>
           <a:xfrm>
-            <a:off x="1792288" y="3520440"/>
-            <a:ext cx="5486400" cy="415608"/>
+            <a:off x="1752459" y="3520440"/>
+            <a:ext cx="5364480" cy="415608"/>
           </a:xfrm>
         </p:spPr>
         <p:txBody>
           <a:bodyPr anchor="b"/>
           <a:lstStyle>
             <a:lvl1pPr algn="l">
-              <a:defRPr sz="2000" b="1"/>
+              <a:defRPr sz="1956" b="1"/>
             </a:lvl1pPr>
           </a:lstStyle>
           <a:p>
@@ -2943,8 +2943,8 @@
         </p:nvSpPr>
         <p:spPr>
           <a:xfrm>
-            <a:off x="1792288" y="449368"/>
-            <a:ext cx="5486400" cy="3017520"/>
+            <a:off x="1752459" y="449368"/>
+            <a:ext cx="5364480" cy="3017520"/>
           </a:xfrm>
         </p:spPr>
         <p:txBody>
@@ -2952,39 +2952,39 @@
           <a:lstStyle>
             <a:lvl1pPr marL="0" indent="0">
               <a:buNone/>
-              <a:defRPr sz="3200"/>
+              <a:defRPr sz="3129"/>
             </a:lvl1pPr>
-            <a:lvl2pPr marL="457200" indent="0">
-              <a:buNone/>
-              <a:defRPr sz="2800"/>
+            <a:lvl2pPr marL="447050" indent="0">
+              <a:buNone/>
+              <a:defRPr sz="2738"/>
             </a:lvl2pPr>
-            <a:lvl3pPr marL="914400" indent="0">
-              <a:buNone/>
-              <a:defRPr sz="2400"/>
+            <a:lvl3pPr marL="894100" indent="0">
+              <a:buNone/>
+              <a:defRPr sz="2347"/>
             </a:lvl3pPr>
-            <a:lvl4pPr marL="1371600" indent="0">
-              <a:buNone/>
-              <a:defRPr sz="2000"/>
+            <a:lvl4pPr marL="1341150" indent="0">
+              <a:buNone/>
+              <a:defRPr sz="1956"/>
             </a:lvl4pPr>
-            <a:lvl5pPr marL="1828800" indent="0">
-              <a:buNone/>
-              <a:defRPr sz="2000"/>
+            <a:lvl5pPr marL="1788201" indent="0">
+              <a:buNone/>
+              <a:defRPr sz="1956"/>
             </a:lvl5pPr>
-            <a:lvl6pPr marL="2286000" indent="0">
-              <a:buNone/>
-              <a:defRPr sz="2000"/>
+            <a:lvl6pPr marL="2235251" indent="0">
+              <a:buNone/>
+              <a:defRPr sz="1956"/>
             </a:lvl6pPr>
-            <a:lvl7pPr marL="2743200" indent="0">
-              <a:buNone/>
-              <a:defRPr sz="2000"/>
+            <a:lvl7pPr marL="2682301" indent="0">
+              <a:buNone/>
+              <a:defRPr sz="1956"/>
             </a:lvl7pPr>
-            <a:lvl8pPr marL="3200400" indent="0">
-              <a:buNone/>
-              <a:defRPr sz="2000"/>
+            <a:lvl8pPr marL="3129351" indent="0">
+              <a:buNone/>
+              <a:defRPr sz="1956"/>
             </a:lvl8pPr>
-            <a:lvl9pPr marL="3657600" indent="0">
-              <a:buNone/>
-              <a:defRPr sz="2000"/>
+            <a:lvl9pPr marL="3576401" indent="0">
+              <a:buNone/>
+              <a:defRPr sz="1956"/>
             </a:lvl9pPr>
           </a:lstStyle>
           <a:p>
@@ -3004,8 +3004,8 @@
         </p:nvSpPr>
         <p:spPr>
           <a:xfrm>
-            <a:off x="1792288" y="3936048"/>
-            <a:ext cx="5486400" cy="590232"/>
+            <a:off x="1752459" y="3936048"/>
+            <a:ext cx="5364480" cy="590232"/>
           </a:xfrm>
         </p:spPr>
         <p:txBody>
@@ -3013,39 +3013,39 @@
           <a:lstStyle>
             <a:lvl1pPr marL="0" indent="0">
               <a:buNone/>
-              <a:defRPr sz="1400"/>
+              <a:defRPr sz="1369"/>
             </a:lvl1pPr>
-            <a:lvl2pPr marL="457200" indent="0">
-              <a:buNone/>
-              <a:defRPr sz="1200"/>
+            <a:lvl2pPr marL="447050" indent="0">
+              <a:buNone/>
+              <a:defRPr sz="1173"/>
             </a:lvl2pPr>
-            <a:lvl3pPr marL="914400" indent="0">
-              <a:buNone/>
-              <a:defRPr sz="1000"/>
+            <a:lvl3pPr marL="894100" indent="0">
+              <a:buNone/>
+              <a:defRPr sz="978"/>
             </a:lvl3pPr>
-            <a:lvl4pPr marL="1371600" indent="0">
-              <a:buNone/>
-              <a:defRPr sz="900"/>
+            <a:lvl4pPr marL="1341150" indent="0">
+              <a:buNone/>
+              <a:defRPr sz="880"/>
             </a:lvl4pPr>
-            <a:lvl5pPr marL="1828800" indent="0">
-              <a:buNone/>
-              <a:defRPr sz="900"/>
+            <a:lvl5pPr marL="1788201" indent="0">
+              <a:buNone/>
+              <a:defRPr sz="880"/>
             </a:lvl5pPr>
-            <a:lvl6pPr marL="2286000" indent="0">
-              <a:buNone/>
-              <a:defRPr sz="900"/>
+            <a:lvl6pPr marL="2235251" indent="0">
+              <a:buNone/>
+              <a:defRPr sz="880"/>
             </a:lvl6pPr>
-            <a:lvl7pPr marL="2743200" indent="0">
-              <a:buNone/>
-              <a:defRPr sz="900"/>
+            <a:lvl7pPr marL="2682301" indent="0">
+              <a:buNone/>
+              <a:defRPr sz="880"/>
             </a:lvl7pPr>
-            <a:lvl8pPr marL="3200400" indent="0">
-              <a:buNone/>
-              <a:defRPr sz="900"/>
+            <a:lvl8pPr marL="3129351" indent="0">
+              <a:buNone/>
+              <a:defRPr sz="880"/>
             </a:lvl8pPr>
-            <a:lvl9pPr marL="3657600" indent="0">
-              <a:buNone/>
-              <a:defRPr sz="900"/>
+            <a:lvl9pPr marL="3576401" indent="0">
+              <a:buNone/>
+              <a:defRPr sz="880"/>
             </a:lvl9pPr>
           </a:lstStyle>
           <a:p>
@@ -3075,7 +3075,7 @@
             <a:fld id="{1D8BD707-D9CF-40AE-B4C6-C98DA3205C09}" type="datetimeFigureOut">
               <a:rPr lang="en-US" smtClean="0"/>
               <a:pPr/>
-              <a:t>4/7/2021</a:t>
+              <a:t>4/19/2021</a:t>
             </a:fld>
             <a:endParaRPr lang="en-US" dirty="0"/>
           </a:p>
@@ -3171,8 +3171,8 @@
         </p:nvSpPr>
         <p:spPr>
           <a:xfrm>
-            <a:off x="457200" y="201401"/>
-            <a:ext cx="8229600" cy="838200"/>
+            <a:off x="447040" y="201401"/>
+            <a:ext cx="8046720" cy="838200"/>
           </a:xfrm>
           <a:prstGeom prst="rect">
             <a:avLst/>
@@ -3203,8 +3203,8 @@
         </p:nvSpPr>
         <p:spPr>
           <a:xfrm>
-            <a:off x="457200" y="1173480"/>
-            <a:ext cx="8229600" cy="3319040"/>
+            <a:off x="447040" y="1173480"/>
+            <a:ext cx="8046720" cy="3319040"/>
           </a:xfrm>
           <a:prstGeom prst="rect">
             <a:avLst/>
@@ -3264,8 +3264,8 @@
         </p:nvSpPr>
         <p:spPr>
           <a:xfrm>
-            <a:off x="457200" y="4661325"/>
-            <a:ext cx="2133600" cy="267758"/>
+            <a:off x="447040" y="4661325"/>
+            <a:ext cx="2086187" cy="267758"/>
           </a:xfrm>
           <a:prstGeom prst="rect">
             <a:avLst/>
@@ -3275,7 +3275,7 @@
           <a:bodyPr vert="horz" lIns="91440" tIns="45720" rIns="91440" bIns="45720" rtlCol="0" anchor="ctr"/>
           <a:lstStyle>
             <a:lvl1pPr algn="l">
-              <a:defRPr sz="1200">
+              <a:defRPr sz="1173">
                 <a:solidFill>
                   <a:schemeClr val="tx1">
                     <a:tint val="75000"/>
@@ -3288,7 +3288,7 @@
             <a:fld id="{1D8BD707-D9CF-40AE-B4C6-C98DA3205C09}" type="datetimeFigureOut">
               <a:rPr lang="en-US" smtClean="0"/>
               <a:pPr/>
-              <a:t>4/7/2021</a:t>
+              <a:t>4/19/2021</a:t>
             </a:fld>
             <a:endParaRPr lang="en-US" dirty="0"/>
           </a:p>
@@ -3306,8 +3306,8 @@
         </p:nvSpPr>
         <p:spPr>
           <a:xfrm>
-            <a:off x="3124200" y="4661325"/>
-            <a:ext cx="2895600" cy="267758"/>
+            <a:off x="3054774" y="4661325"/>
+            <a:ext cx="2831253" cy="267758"/>
           </a:xfrm>
           <a:prstGeom prst="rect">
             <a:avLst/>
@@ -3317,7 +3317,7 @@
           <a:bodyPr vert="horz" lIns="91440" tIns="45720" rIns="91440" bIns="45720" rtlCol="0" anchor="ctr"/>
           <a:lstStyle>
             <a:lvl1pPr algn="ctr">
-              <a:defRPr sz="1200">
+              <a:defRPr sz="1173">
                 <a:solidFill>
                   <a:schemeClr val="tx1">
                     <a:tint val="75000"/>
@@ -3343,8 +3343,8 @@
         </p:nvSpPr>
         <p:spPr>
           <a:xfrm>
-            <a:off x="6553200" y="4661325"/>
-            <a:ext cx="2133600" cy="267758"/>
+            <a:off x="6407573" y="4661325"/>
+            <a:ext cx="2086187" cy="267758"/>
           </a:xfrm>
           <a:prstGeom prst="rect">
             <a:avLst/>
@@ -3354,7 +3354,7 @@
           <a:bodyPr vert="horz" lIns="91440" tIns="45720" rIns="91440" bIns="45720" rtlCol="0" anchor="ctr"/>
           <a:lstStyle>
             <a:lvl1pPr algn="r">
-              <a:defRPr sz="1200">
+              <a:defRPr sz="1173">
                 <a:solidFill>
                   <a:schemeClr val="tx1">
                     <a:tint val="75000"/>
@@ -3396,12 +3396,12 @@
   </p:sldLayoutIdLst>
   <p:txStyles>
     <p:titleStyle>
-      <a:lvl1pPr algn="ctr" defTabSz="914400" rtl="0" eaLnBrk="1" latinLnBrk="0" hangingPunct="1">
+      <a:lvl1pPr algn="ctr" defTabSz="894100" rtl="0" eaLnBrk="1" latinLnBrk="0" hangingPunct="1">
         <a:spcBef>
           <a:spcPct val="0"/>
         </a:spcBef>
         <a:buNone/>
-        <a:defRPr sz="4400" kern="1200">
+        <a:defRPr sz="4302" kern="1200">
           <a:solidFill>
             <a:schemeClr val="tx1"/>
           </a:solidFill>
@@ -3412,13 +3412,13 @@
       </a:lvl1pPr>
     </p:titleStyle>
     <p:bodyStyle>
-      <a:lvl1pPr marL="342900" indent="-342900" algn="l" defTabSz="914400" rtl="0" eaLnBrk="1" latinLnBrk="0" hangingPunct="1">
+      <a:lvl1pPr marL="335288" indent="-335288" algn="l" defTabSz="894100" rtl="0" eaLnBrk="1" latinLnBrk="0" hangingPunct="1">
         <a:spcBef>
           <a:spcPct val="20000"/>
         </a:spcBef>
         <a:buFont typeface="Arial" pitchFamily="34" charset="0"/>
         <a:buChar char="•"/>
-        <a:defRPr sz="3200" kern="1200">
+        <a:defRPr sz="3129" kern="1200">
           <a:solidFill>
             <a:schemeClr val="tx1"/>
           </a:solidFill>
@@ -3427,13 +3427,13 @@
           <a:cs typeface="+mn-cs"/>
         </a:defRPr>
       </a:lvl1pPr>
-      <a:lvl2pPr marL="742950" indent="-285750" algn="l" defTabSz="914400" rtl="0" eaLnBrk="1" latinLnBrk="0" hangingPunct="1">
+      <a:lvl2pPr marL="726457" indent="-279406" algn="l" defTabSz="894100" rtl="0" eaLnBrk="1" latinLnBrk="0" hangingPunct="1">
         <a:spcBef>
           <a:spcPct val="20000"/>
         </a:spcBef>
         <a:buFont typeface="Arial" pitchFamily="34" charset="0"/>
         <a:buChar char="–"/>
-        <a:defRPr sz="2800" kern="1200">
+        <a:defRPr sz="2738" kern="1200">
           <a:solidFill>
             <a:schemeClr val="tx1"/>
           </a:solidFill>
@@ -3442,13 +3442,13 @@
           <a:cs typeface="+mn-cs"/>
         </a:defRPr>
       </a:lvl2pPr>
-      <a:lvl3pPr marL="1143000" indent="-228600" algn="l" defTabSz="914400" rtl="0" eaLnBrk="1" latinLnBrk="0" hangingPunct="1">
+      <a:lvl3pPr marL="1117625" indent="-223525" algn="l" defTabSz="894100" rtl="0" eaLnBrk="1" latinLnBrk="0" hangingPunct="1">
         <a:spcBef>
           <a:spcPct val="20000"/>
         </a:spcBef>
         <a:buFont typeface="Arial" pitchFamily="34" charset="0"/>
         <a:buChar char="•"/>
-        <a:defRPr sz="2400" kern="1200">
+        <a:defRPr sz="2347" kern="1200">
           <a:solidFill>
             <a:schemeClr val="tx1"/>
           </a:solidFill>
@@ -3457,13 +3457,13 @@
           <a:cs typeface="+mn-cs"/>
         </a:defRPr>
       </a:lvl3pPr>
-      <a:lvl4pPr marL="1600200" indent="-228600" algn="l" defTabSz="914400" rtl="0" eaLnBrk="1" latinLnBrk="0" hangingPunct="1">
+      <a:lvl4pPr marL="1564676" indent="-223525" algn="l" defTabSz="894100" rtl="0" eaLnBrk="1" latinLnBrk="0" hangingPunct="1">
         <a:spcBef>
           <a:spcPct val="20000"/>
         </a:spcBef>
         <a:buFont typeface="Arial" pitchFamily="34" charset="0"/>
         <a:buChar char="–"/>
-        <a:defRPr sz="2000" kern="1200">
+        <a:defRPr sz="1956" kern="1200">
           <a:solidFill>
             <a:schemeClr val="tx1"/>
           </a:solidFill>
@@ -3472,13 +3472,13 @@
           <a:cs typeface="+mn-cs"/>
         </a:defRPr>
       </a:lvl4pPr>
-      <a:lvl5pPr marL="2057400" indent="-228600" algn="l" defTabSz="914400" rtl="0" eaLnBrk="1" latinLnBrk="0" hangingPunct="1">
+      <a:lvl5pPr marL="2011726" indent="-223525" algn="l" defTabSz="894100" rtl="0" eaLnBrk="1" latinLnBrk="0" hangingPunct="1">
         <a:spcBef>
           <a:spcPct val="20000"/>
         </a:spcBef>
         <a:buFont typeface="Arial" pitchFamily="34" charset="0"/>
         <a:buChar char="»"/>
-        <a:defRPr sz="2000" kern="1200">
+        <a:defRPr sz="1956" kern="1200">
           <a:solidFill>
             <a:schemeClr val="tx1"/>
           </a:solidFill>
@@ -3487,13 +3487,13 @@
           <a:cs typeface="+mn-cs"/>
         </a:defRPr>
       </a:lvl5pPr>
-      <a:lvl6pPr marL="2514600" indent="-228600" algn="l" defTabSz="914400" rtl="0" eaLnBrk="1" latinLnBrk="0" hangingPunct="1">
+      <a:lvl6pPr marL="2458776" indent="-223525" algn="l" defTabSz="894100" rtl="0" eaLnBrk="1" latinLnBrk="0" hangingPunct="1">
         <a:spcBef>
           <a:spcPct val="20000"/>
         </a:spcBef>
         <a:buFont typeface="Arial" pitchFamily="34" charset="0"/>
         <a:buChar char="•"/>
-        <a:defRPr sz="2000" kern="1200">
+        <a:defRPr sz="1956" kern="1200">
           <a:solidFill>
             <a:schemeClr val="tx1"/>
           </a:solidFill>
@@ -3502,13 +3502,13 @@
           <a:cs typeface="+mn-cs"/>
         </a:defRPr>
       </a:lvl6pPr>
-      <a:lvl7pPr marL="2971800" indent="-228600" algn="l" defTabSz="914400" rtl="0" eaLnBrk="1" latinLnBrk="0" hangingPunct="1">
+      <a:lvl7pPr marL="2905826" indent="-223525" algn="l" defTabSz="894100" rtl="0" eaLnBrk="1" latinLnBrk="0" hangingPunct="1">
         <a:spcBef>
           <a:spcPct val="20000"/>
         </a:spcBef>
         <a:buFont typeface="Arial" pitchFamily="34" charset="0"/>
         <a:buChar char="•"/>
-        <a:defRPr sz="2000" kern="1200">
+        <a:defRPr sz="1956" kern="1200">
           <a:solidFill>
             <a:schemeClr val="tx1"/>
           </a:solidFill>
@@ -3517,13 +3517,13 @@
           <a:cs typeface="+mn-cs"/>
         </a:defRPr>
       </a:lvl7pPr>
-      <a:lvl8pPr marL="3429000" indent="-228600" algn="l" defTabSz="914400" rtl="0" eaLnBrk="1" latinLnBrk="0" hangingPunct="1">
+      <a:lvl8pPr marL="3352876" indent="-223525" algn="l" defTabSz="894100" rtl="0" eaLnBrk="1" latinLnBrk="0" hangingPunct="1">
         <a:spcBef>
           <a:spcPct val="20000"/>
         </a:spcBef>
         <a:buFont typeface="Arial" pitchFamily="34" charset="0"/>
         <a:buChar char="•"/>
-        <a:defRPr sz="2000" kern="1200">
+        <a:defRPr sz="1956" kern="1200">
           <a:solidFill>
             <a:schemeClr val="tx1"/>
           </a:solidFill>
@@ -3532,13 +3532,13 @@
           <a:cs typeface="+mn-cs"/>
         </a:defRPr>
       </a:lvl8pPr>
-      <a:lvl9pPr marL="3886200" indent="-228600" algn="l" defTabSz="914400" rtl="0" eaLnBrk="1" latinLnBrk="0" hangingPunct="1">
+      <a:lvl9pPr marL="3799926" indent="-223525" algn="l" defTabSz="894100" rtl="0" eaLnBrk="1" latinLnBrk="0" hangingPunct="1">
         <a:spcBef>
           <a:spcPct val="20000"/>
         </a:spcBef>
         <a:buFont typeface="Arial" pitchFamily="34" charset="0"/>
         <a:buChar char="•"/>
-        <a:defRPr sz="2000" kern="1200">
+        <a:defRPr sz="1956" kern="1200">
           <a:solidFill>
             <a:schemeClr val="tx1"/>
           </a:solidFill>
@@ -3552,8 +3552,8 @@
       <a:defPPr>
         <a:defRPr lang="en-US"/>
       </a:defPPr>
-      <a:lvl1pPr marL="0" algn="l" defTabSz="914400" rtl="0" eaLnBrk="1" latinLnBrk="0" hangingPunct="1">
-        <a:defRPr sz="1800" kern="1200">
+      <a:lvl1pPr marL="0" algn="l" defTabSz="894100" rtl="0" eaLnBrk="1" latinLnBrk="0" hangingPunct="1">
+        <a:defRPr sz="1760" kern="1200">
           <a:solidFill>
             <a:schemeClr val="tx1"/>
           </a:solidFill>
@@ -3562,8 +3562,8 @@
           <a:cs typeface="+mn-cs"/>
         </a:defRPr>
       </a:lvl1pPr>
-      <a:lvl2pPr marL="457200" algn="l" defTabSz="914400" rtl="0" eaLnBrk="1" latinLnBrk="0" hangingPunct="1">
-        <a:defRPr sz="1800" kern="1200">
+      <a:lvl2pPr marL="447050" algn="l" defTabSz="894100" rtl="0" eaLnBrk="1" latinLnBrk="0" hangingPunct="1">
+        <a:defRPr sz="1760" kern="1200">
           <a:solidFill>
             <a:schemeClr val="tx1"/>
           </a:solidFill>
@@ -3572,8 +3572,8 @@
           <a:cs typeface="+mn-cs"/>
         </a:defRPr>
       </a:lvl2pPr>
-      <a:lvl3pPr marL="914400" algn="l" defTabSz="914400" rtl="0" eaLnBrk="1" latinLnBrk="0" hangingPunct="1">
-        <a:defRPr sz="1800" kern="1200">
+      <a:lvl3pPr marL="894100" algn="l" defTabSz="894100" rtl="0" eaLnBrk="1" latinLnBrk="0" hangingPunct="1">
+        <a:defRPr sz="1760" kern="1200">
           <a:solidFill>
             <a:schemeClr val="tx1"/>
           </a:solidFill>
@@ -3582,8 +3582,8 @@
           <a:cs typeface="+mn-cs"/>
         </a:defRPr>
       </a:lvl3pPr>
-      <a:lvl4pPr marL="1371600" algn="l" defTabSz="914400" rtl="0" eaLnBrk="1" latinLnBrk="0" hangingPunct="1">
-        <a:defRPr sz="1800" kern="1200">
+      <a:lvl4pPr marL="1341150" algn="l" defTabSz="894100" rtl="0" eaLnBrk="1" latinLnBrk="0" hangingPunct="1">
+        <a:defRPr sz="1760" kern="1200">
           <a:solidFill>
             <a:schemeClr val="tx1"/>
           </a:solidFill>
@@ -3592,8 +3592,8 @@
           <a:cs typeface="+mn-cs"/>
         </a:defRPr>
       </a:lvl4pPr>
-      <a:lvl5pPr marL="1828800" algn="l" defTabSz="914400" rtl="0" eaLnBrk="1" latinLnBrk="0" hangingPunct="1">
-        <a:defRPr sz="1800" kern="1200">
+      <a:lvl5pPr marL="1788201" algn="l" defTabSz="894100" rtl="0" eaLnBrk="1" latinLnBrk="0" hangingPunct="1">
+        <a:defRPr sz="1760" kern="1200">
           <a:solidFill>
             <a:schemeClr val="tx1"/>
           </a:solidFill>
@@ -3602,8 +3602,8 @@
           <a:cs typeface="+mn-cs"/>
         </a:defRPr>
       </a:lvl5pPr>
-      <a:lvl6pPr marL="2286000" algn="l" defTabSz="914400" rtl="0" eaLnBrk="1" latinLnBrk="0" hangingPunct="1">
-        <a:defRPr sz="1800" kern="1200">
+      <a:lvl6pPr marL="2235251" algn="l" defTabSz="894100" rtl="0" eaLnBrk="1" latinLnBrk="0" hangingPunct="1">
+        <a:defRPr sz="1760" kern="1200">
           <a:solidFill>
             <a:schemeClr val="tx1"/>
           </a:solidFill>
@@ -3612,8 +3612,8 @@
           <a:cs typeface="+mn-cs"/>
         </a:defRPr>
       </a:lvl6pPr>
-      <a:lvl7pPr marL="2743200" algn="l" defTabSz="914400" rtl="0" eaLnBrk="1" latinLnBrk="0" hangingPunct="1">
-        <a:defRPr sz="1800" kern="1200">
+      <a:lvl7pPr marL="2682301" algn="l" defTabSz="894100" rtl="0" eaLnBrk="1" latinLnBrk="0" hangingPunct="1">
+        <a:defRPr sz="1760" kern="1200">
           <a:solidFill>
             <a:schemeClr val="tx1"/>
           </a:solidFill>
@@ -3622,8 +3622,8 @@
           <a:cs typeface="+mn-cs"/>
         </a:defRPr>
       </a:lvl7pPr>
-      <a:lvl8pPr marL="3200400" algn="l" defTabSz="914400" rtl="0" eaLnBrk="1" latinLnBrk="0" hangingPunct="1">
-        <a:defRPr sz="1800" kern="1200">
+      <a:lvl8pPr marL="3129351" algn="l" defTabSz="894100" rtl="0" eaLnBrk="1" latinLnBrk="0" hangingPunct="1">
+        <a:defRPr sz="1760" kern="1200">
           <a:solidFill>
             <a:schemeClr val="tx1"/>
           </a:solidFill>
@@ -3632,8 +3632,8 @@
           <a:cs typeface="+mn-cs"/>
         </a:defRPr>
       </a:lvl8pPr>
-      <a:lvl9pPr marL="3657600" algn="l" defTabSz="914400" rtl="0" eaLnBrk="1" latinLnBrk="0" hangingPunct="1">
-        <a:defRPr sz="1800" kern="1200">
+      <a:lvl9pPr marL="3576401" algn="l" defTabSz="894100" rtl="0" eaLnBrk="1" latinLnBrk="0" hangingPunct="1">
+        <a:defRPr sz="1760" kern="1200">
           <a:solidFill>
             <a:schemeClr val="tx1"/>
           </a:solidFill>
@@ -3674,8 +3674,8 @@
         </p:nvSpPr>
         <p:spPr bwMode="auto">
           <a:xfrm>
-            <a:off x="155575" y="-144463"/>
-            <a:ext cx="304800" cy="304801"/>
+            <a:off x="152118" y="-85372"/>
+            <a:ext cx="298027" cy="298028"/>
           </a:xfrm>
           <a:prstGeom prst="rect">
             <a:avLst/>
@@ -3692,14 +3692,14 @@
           </a:extLst>
         </p:spPr>
         <p:txBody>
-          <a:bodyPr vert="horz" wrap="square" lIns="91440" tIns="45720" rIns="91440" bIns="45720" numCol="1" anchor="t" anchorCtr="0" compatLnSpc="1">
+          <a:bodyPr vert="horz" wrap="square" lIns="89408" tIns="44704" rIns="89408" bIns="44704" numCol="1" anchor="t" anchorCtr="0" compatLnSpc="1">
             <a:prstTxWarp prst="textNoShape">
               <a:avLst/>
             </a:prstTxWarp>
           </a:bodyPr>
           <a:lstStyle/>
           <a:p>
-            <a:endParaRPr lang="en-US" sz="1200" dirty="0"/>
+            <a:endParaRPr lang="en-US" sz="1173" dirty="0"/>
           </a:p>
         </p:txBody>
       </p:sp>
@@ -3713,8 +3713,8 @@
         </p:nvSpPr>
         <p:spPr bwMode="auto">
           <a:xfrm>
-            <a:off x="307975" y="7937"/>
-            <a:ext cx="304800" cy="304801"/>
+            <a:off x="301131" y="63641"/>
+            <a:ext cx="298027" cy="298028"/>
           </a:xfrm>
           <a:prstGeom prst="rect">
             <a:avLst/>
@@ -3731,14 +3731,14 @@
           </a:extLst>
         </p:spPr>
         <p:txBody>
-          <a:bodyPr vert="horz" wrap="square" lIns="91440" tIns="45720" rIns="91440" bIns="45720" numCol="1" anchor="t" anchorCtr="0" compatLnSpc="1">
+          <a:bodyPr vert="horz" wrap="square" lIns="89408" tIns="44704" rIns="89408" bIns="44704" numCol="1" anchor="t" anchorCtr="0" compatLnSpc="1">
             <a:prstTxWarp prst="textNoShape">
               <a:avLst/>
             </a:prstTxWarp>
           </a:bodyPr>
           <a:lstStyle/>
           <a:p>
-            <a:endParaRPr lang="en-US" dirty="0"/>
+            <a:endParaRPr lang="en-US" sz="1760" dirty="0"/>
           </a:p>
         </p:txBody>
       </p:sp>
@@ -3752,8 +3752,8 @@
         </p:nvSpPr>
         <p:spPr bwMode="auto">
           <a:xfrm>
-            <a:off x="460375" y="160337"/>
-            <a:ext cx="304800" cy="304801"/>
+            <a:off x="450144" y="212654"/>
+            <a:ext cx="298027" cy="298028"/>
           </a:xfrm>
           <a:prstGeom prst="rect">
             <a:avLst/>
@@ -3770,14 +3770,14 @@
           </a:extLst>
         </p:spPr>
         <p:txBody>
-          <a:bodyPr vert="horz" wrap="square" lIns="91440" tIns="45720" rIns="91440" bIns="45720" numCol="1" anchor="t" anchorCtr="0" compatLnSpc="1">
+          <a:bodyPr vert="horz" wrap="square" lIns="89408" tIns="44704" rIns="89408" bIns="44704" numCol="1" anchor="t" anchorCtr="0" compatLnSpc="1">
             <a:prstTxWarp prst="textNoShape">
               <a:avLst/>
             </a:prstTxWarp>
           </a:bodyPr>
           <a:lstStyle/>
           <a:p>
-            <a:endParaRPr lang="en-US" dirty="0"/>
+            <a:endParaRPr lang="en-US" sz="1760" dirty="0"/>
           </a:p>
         </p:txBody>
       </p:sp>
@@ -3789,8 +3789,8 @@
         </p:nvSpPr>
         <p:spPr>
           <a:xfrm>
-            <a:off x="3260102" y="21838"/>
-            <a:ext cx="3140697" cy="276999"/>
+            <a:off x="3187656" y="77233"/>
+            <a:ext cx="3070904" cy="270843"/>
           </a:xfrm>
           <a:prstGeom prst="rect">
             <a:avLst/>
@@ -3912,7 +3912,7 @@
           <a:p>
             <a:pPr algn="ctr"/>
             <a:r>
-              <a:rPr lang="en-US" sz="1200" dirty="0"/>
+              <a:rPr lang="en-US" sz="1173" dirty="0"/>
               <a:t>Introduction to Web Service Application Layers</a:t>
             </a:r>
           </a:p>
@@ -3932,8 +3932,8 @@
         </p:nvSpPr>
         <p:spPr>
           <a:xfrm>
-            <a:off x="1371600" y="1066800"/>
-            <a:ext cx="1524000" cy="3581400"/>
+            <a:off x="1341120" y="1098974"/>
+            <a:ext cx="1490133" cy="3501813"/>
           </a:xfrm>
           <a:prstGeom prst="rect">
             <a:avLst/>
@@ -3958,7 +3958,7 @@
           <a:lstStyle/>
           <a:p>
             <a:pPr algn="ctr"/>
-            <a:endParaRPr lang="en-US" dirty="0"/>
+            <a:endParaRPr lang="en-US" sz="1760" dirty="0"/>
           </a:p>
         </p:txBody>
       </p:sp>
@@ -3976,8 +3976,8 @@
         </p:nvSpPr>
         <p:spPr>
           <a:xfrm>
-            <a:off x="3886200" y="1058694"/>
-            <a:ext cx="1524000" cy="3581400"/>
+            <a:off x="3799840" y="1091048"/>
+            <a:ext cx="1490133" cy="3501813"/>
           </a:xfrm>
           <a:prstGeom prst="rect">
             <a:avLst/>
@@ -4002,7 +4002,7 @@
           <a:lstStyle/>
           <a:p>
             <a:pPr algn="ctr"/>
-            <a:endParaRPr lang="en-US"/>
+            <a:endParaRPr lang="en-US" sz="1760"/>
           </a:p>
         </p:txBody>
       </p:sp>
@@ -4020,8 +4020,8 @@
         </p:nvSpPr>
         <p:spPr>
           <a:xfrm>
-            <a:off x="6160851" y="1058694"/>
-            <a:ext cx="1524000" cy="3581400"/>
+            <a:off x="6023943" y="1091048"/>
+            <a:ext cx="1490133" cy="3501813"/>
           </a:xfrm>
           <a:prstGeom prst="rect">
             <a:avLst/>
@@ -4046,7 +4046,7 @@
           <a:lstStyle/>
           <a:p>
             <a:pPr algn="ctr"/>
-            <a:endParaRPr lang="en-US"/>
+            <a:endParaRPr lang="en-US" sz="1760"/>
           </a:p>
         </p:txBody>
       </p:sp>
@@ -4064,8 +4064,8 @@
         </p:nvSpPr>
         <p:spPr>
           <a:xfrm>
-            <a:off x="1459149" y="1981200"/>
-            <a:ext cx="1458091" cy="276999"/>
+            <a:off x="1426724" y="1993054"/>
+            <a:ext cx="1443024" cy="272832"/>
           </a:xfrm>
           <a:prstGeom prst="rect">
             <a:avLst/>
@@ -4092,10 +4092,10 @@
           <a:lstStyle/>
           <a:p>
             <a:r>
-              <a:rPr lang="en-US" sz="1200" dirty="0" err="1"/>
+              <a:rPr lang="en-US" sz="1173" dirty="0" err="1"/>
               <a:t>UsersRESTController</a:t>
             </a:r>
-            <a:endParaRPr lang="en-US" sz="1200" dirty="0"/>
+            <a:endParaRPr lang="en-US" sz="1173" dirty="0"/>
           </a:p>
         </p:txBody>
       </p:sp>
@@ -4113,8 +4113,8 @@
         </p:nvSpPr>
         <p:spPr>
           <a:xfrm>
-            <a:off x="1132760" y="2632502"/>
-            <a:ext cx="1182440" cy="276999"/>
+            <a:off x="1107587" y="2629883"/>
+            <a:ext cx="1156164" cy="270843"/>
           </a:xfrm>
           <a:prstGeom prst="rect">
             <a:avLst/>
@@ -4141,10 +4141,10 @@
           <a:lstStyle/>
           <a:p>
             <a:r>
-              <a:rPr lang="en-US" sz="1200" dirty="0" err="1"/>
+              <a:rPr lang="en-US" sz="1173" dirty="0" err="1"/>
               <a:t>UserModelREST</a:t>
             </a:r>
-            <a:endParaRPr lang="en-US" sz="1200" dirty="0"/>
+            <a:endParaRPr lang="en-US" sz="1173" dirty="0"/>
           </a:p>
         </p:txBody>
       </p:sp>
@@ -4162,8 +4162,8 @@
         </p:nvSpPr>
         <p:spPr>
           <a:xfrm>
-            <a:off x="4339578" y="1981200"/>
-            <a:ext cx="981744" cy="276999"/>
+            <a:off x="4243143" y="1993054"/>
+            <a:ext cx="959927" cy="270843"/>
           </a:xfrm>
           <a:prstGeom prst="rect">
             <a:avLst/>
@@ -4190,7 +4190,7 @@
           <a:lstStyle/>
           <a:p>
             <a:r>
-              <a:rPr lang="en-US" sz="1200" dirty="0"/>
+              <a:rPr lang="en-US" sz="1173" dirty="0"/>
               <a:t>UsersService</a:t>
             </a:r>
           </a:p>
@@ -4210,8 +4210,8 @@
         </p:nvSpPr>
         <p:spPr>
           <a:xfrm>
-            <a:off x="3845463" y="2632502"/>
-            <a:ext cx="741229" cy="276999"/>
+            <a:off x="3760009" y="2629883"/>
+            <a:ext cx="734496" cy="272832"/>
           </a:xfrm>
           <a:prstGeom prst="rect">
             <a:avLst/>
@@ -4238,10 +4238,10 @@
           <a:lstStyle/>
           <a:p>
             <a:r>
-              <a:rPr lang="en-US" sz="1200" dirty="0" err="1"/>
+              <a:rPr lang="en-US" sz="1173" dirty="0" err="1"/>
               <a:t>UserDTO</a:t>
             </a:r>
-            <a:endParaRPr lang="en-US" sz="1200" dirty="0"/>
+            <a:endParaRPr lang="en-US" sz="1173" dirty="0"/>
           </a:p>
         </p:txBody>
       </p:sp>
@@ -4259,8 +4259,8 @@
         </p:nvSpPr>
         <p:spPr>
           <a:xfrm>
-            <a:off x="6400799" y="1987685"/>
-            <a:ext cx="1202958" cy="276999"/>
+            <a:off x="6258559" y="1999395"/>
+            <a:ext cx="1176226" cy="270843"/>
           </a:xfrm>
           <a:prstGeom prst="rect">
             <a:avLst/>
@@ -4287,10 +4287,10 @@
           <a:lstStyle/>
           <a:p>
             <a:r>
-              <a:rPr lang="en-US" sz="1200" dirty="0" err="1"/>
+              <a:rPr lang="en-US" sz="1173" dirty="0" err="1"/>
               <a:t>UsersRepository</a:t>
             </a:r>
-            <a:endParaRPr lang="en-US" sz="1200" dirty="0"/>
+            <a:endParaRPr lang="en-US" sz="1173" dirty="0"/>
           </a:p>
         </p:txBody>
       </p:sp>
@@ -4308,8 +4308,8 @@
         </p:nvSpPr>
         <p:spPr>
           <a:xfrm>
-            <a:off x="6030184" y="2580501"/>
-            <a:ext cx="741229" cy="276999"/>
+            <a:off x="5896181" y="2579037"/>
+            <a:ext cx="734496" cy="272832"/>
           </a:xfrm>
           <a:prstGeom prst="rect">
             <a:avLst/>
@@ -4336,10 +4336,10 @@
           <a:lstStyle/>
           <a:p>
             <a:r>
-              <a:rPr lang="en-US" sz="1200" dirty="0" err="1"/>
+              <a:rPr lang="en-US" sz="1173" dirty="0" err="1"/>
               <a:t>UserDTO</a:t>
             </a:r>
-            <a:endParaRPr lang="en-US" sz="1200" dirty="0"/>
+            <a:endParaRPr lang="en-US" sz="1173" dirty="0"/>
           </a:p>
         </p:txBody>
       </p:sp>
@@ -4357,8 +4357,8 @@
         </p:nvSpPr>
         <p:spPr>
           <a:xfrm>
-            <a:off x="7167579" y="2572395"/>
-            <a:ext cx="872355" cy="276999"/>
+            <a:off x="7008300" y="2571111"/>
+            <a:ext cx="852969" cy="270843"/>
           </a:xfrm>
           <a:prstGeom prst="rect">
             <a:avLst/>
@@ -4385,10 +4385,10 @@
           <a:lstStyle/>
           <a:p>
             <a:r>
-              <a:rPr lang="en-US" sz="1200" dirty="0" err="1"/>
+              <a:rPr lang="en-US" sz="1173" dirty="0" err="1"/>
               <a:t>UserEnitity</a:t>
             </a:r>
-            <a:endParaRPr lang="en-US" sz="1200" dirty="0"/>
+            <a:endParaRPr lang="en-US" sz="1173" dirty="0"/>
           </a:p>
         </p:txBody>
       </p:sp>
@@ -4406,8 +4406,8 @@
         </p:nvSpPr>
         <p:spPr>
           <a:xfrm>
-            <a:off x="1459149" y="741149"/>
-            <a:ext cx="1346587" cy="276999"/>
+            <a:off x="1426724" y="780560"/>
+            <a:ext cx="1330814" cy="272832"/>
           </a:xfrm>
           <a:prstGeom prst="rect">
             <a:avLst/>
@@ -4434,7 +4434,7 @@
           <a:lstStyle/>
           <a:p>
             <a:r>
-              <a:rPr lang="en-US" sz="1200" dirty="0"/>
+              <a:rPr lang="en-US" sz="1173" dirty="0"/>
               <a:t>Presentation Layer</a:t>
             </a:r>
           </a:p>
@@ -4454,8 +4454,8 @@
         </p:nvSpPr>
         <p:spPr>
           <a:xfrm>
-            <a:off x="4216077" y="711823"/>
-            <a:ext cx="1000467" cy="276999"/>
+            <a:off x="4122387" y="751885"/>
+            <a:ext cx="978234" cy="270843"/>
           </a:xfrm>
           <a:prstGeom prst="rect">
             <a:avLst/>
@@ -4482,7 +4482,7 @@
           <a:lstStyle/>
           <a:p>
             <a:r>
-              <a:rPr lang="en-US" sz="1200" dirty="0"/>
+              <a:rPr lang="en-US" sz="1173" dirty="0"/>
               <a:t>Service Layer</a:t>
             </a:r>
           </a:p>
@@ -4502,8 +4502,8 @@
         </p:nvSpPr>
         <p:spPr>
           <a:xfrm>
-            <a:off x="6501902" y="711823"/>
-            <a:ext cx="841897" cy="276999"/>
+            <a:off x="6357416" y="751885"/>
+            <a:ext cx="835485" cy="272832"/>
           </a:xfrm>
           <a:prstGeom prst="rect">
             <a:avLst/>
@@ -4530,7 +4530,7 @@
           <a:lstStyle/>
           <a:p>
             <a:r>
-              <a:rPr lang="en-US" sz="1200" dirty="0"/>
+              <a:rPr lang="en-US" sz="1173" dirty="0"/>
               <a:t>Data Layer</a:t>
             </a:r>
           </a:p>
@@ -4565,8 +4565,8 @@
         </p:blipFill>
         <p:spPr bwMode="auto">
           <a:xfrm>
-            <a:off x="7999923" y="1569050"/>
-            <a:ext cx="1101298" cy="1101298"/>
+            <a:off x="7822147" y="1590062"/>
+            <a:ext cx="1076825" cy="1076825"/>
           </a:xfrm>
           <a:prstGeom prst="rect">
             <a:avLst/>
@@ -4605,8 +4605,8 @@
         </p:blipFill>
         <p:spPr>
           <a:xfrm>
-            <a:off x="91217" y="1414620"/>
-            <a:ext cx="872632" cy="1700128"/>
+            <a:off x="89190" y="1439064"/>
+            <a:ext cx="853240" cy="1662347"/>
           </a:xfrm>
           <a:prstGeom prst="rect">
             <a:avLst/>
@@ -4629,8 +4629,8 @@
         </p:nvCxnSpPr>
         <p:spPr>
           <a:xfrm flipV="1">
-            <a:off x="1723980" y="2258199"/>
-            <a:ext cx="464215" cy="354608"/>
+            <a:off x="1685670" y="2265886"/>
+            <a:ext cx="462566" cy="344739"/>
           </a:xfrm>
           <a:prstGeom prst="straightConnector1">
             <a:avLst/>
@@ -4677,8 +4677,8 @@
         </p:nvCxnSpPr>
         <p:spPr>
           <a:xfrm>
-            <a:off x="2917240" y="2119700"/>
-            <a:ext cx="928223" cy="651302"/>
+            <a:off x="2869748" y="2129470"/>
+            <a:ext cx="890261" cy="636829"/>
           </a:xfrm>
           <a:prstGeom prst="straightConnector1">
             <a:avLst/>
@@ -4725,8 +4725,8 @@
         </p:nvCxnSpPr>
         <p:spPr>
           <a:xfrm flipV="1">
-            <a:off x="4216078" y="2258199"/>
-            <a:ext cx="614372" cy="374303"/>
+            <a:off x="4127257" y="2263897"/>
+            <a:ext cx="595850" cy="365986"/>
           </a:xfrm>
           <a:prstGeom prst="straightConnector1">
             <a:avLst/>
@@ -4773,8 +4773,8 @@
         </p:nvCxnSpPr>
         <p:spPr>
           <a:xfrm>
-            <a:off x="5321322" y="2119700"/>
-            <a:ext cx="708862" cy="599301"/>
+            <a:off x="5203070" y="2128476"/>
+            <a:ext cx="693111" cy="586977"/>
           </a:xfrm>
           <a:prstGeom prst="straightConnector1">
             <a:avLst/>
@@ -4821,8 +4821,8 @@
         </p:nvCxnSpPr>
         <p:spPr>
           <a:xfrm flipV="1">
-            <a:off x="6771413" y="2710895"/>
-            <a:ext cx="396166" cy="8106"/>
+            <a:off x="6630677" y="2706533"/>
+            <a:ext cx="377623" cy="8920"/>
           </a:xfrm>
           <a:prstGeom prst="straightConnector1">
             <a:avLst/>
@@ -4869,8 +4869,8 @@
         </p:nvCxnSpPr>
         <p:spPr>
           <a:xfrm flipH="1" flipV="1">
-            <a:off x="7002278" y="2264684"/>
-            <a:ext cx="601479" cy="307711"/>
+            <a:off x="6846672" y="2270238"/>
+            <a:ext cx="588113" cy="300873"/>
           </a:xfrm>
           <a:prstGeom prst="straightConnector1">
             <a:avLst/>
@@ -4917,8 +4917,8 @@
         </p:nvCxnSpPr>
         <p:spPr>
           <a:xfrm flipV="1">
-            <a:off x="7603757" y="2119699"/>
-            <a:ext cx="396166" cy="6486"/>
+            <a:off x="7434785" y="2128475"/>
+            <a:ext cx="387362" cy="6342"/>
           </a:xfrm>
           <a:prstGeom prst="straightConnector1">
             <a:avLst/>
@@ -4988,8 +4988,8 @@
         </p:nvSpPr>
         <p:spPr bwMode="auto">
           <a:xfrm>
-            <a:off x="155575" y="-144463"/>
-            <a:ext cx="304800" cy="304801"/>
+            <a:off x="152118" y="-85372"/>
+            <a:ext cx="298027" cy="298028"/>
           </a:xfrm>
           <a:prstGeom prst="rect">
             <a:avLst/>
@@ -5006,14 +5006,14 @@
           </a:extLst>
         </p:spPr>
         <p:txBody>
-          <a:bodyPr vert="horz" wrap="square" lIns="91440" tIns="45720" rIns="91440" bIns="45720" numCol="1" anchor="t" anchorCtr="0" compatLnSpc="1">
+          <a:bodyPr vert="horz" wrap="square" lIns="89408" tIns="44704" rIns="89408" bIns="44704" numCol="1" anchor="t" anchorCtr="0" compatLnSpc="1">
             <a:prstTxWarp prst="textNoShape">
               <a:avLst/>
             </a:prstTxWarp>
           </a:bodyPr>
           <a:lstStyle/>
           <a:p>
-            <a:endParaRPr lang="en-US" sz="1200" dirty="0"/>
+            <a:endParaRPr lang="en-US" sz="1173" dirty="0"/>
           </a:p>
         </p:txBody>
       </p:sp>
@@ -5027,8 +5027,8 @@
         </p:nvSpPr>
         <p:spPr bwMode="auto">
           <a:xfrm>
-            <a:off x="307975" y="7937"/>
-            <a:ext cx="304800" cy="304801"/>
+            <a:off x="301131" y="63641"/>
+            <a:ext cx="298027" cy="298028"/>
           </a:xfrm>
           <a:prstGeom prst="rect">
             <a:avLst/>
@@ -5045,14 +5045,14 @@
           </a:extLst>
         </p:spPr>
         <p:txBody>
-          <a:bodyPr vert="horz" wrap="square" lIns="91440" tIns="45720" rIns="91440" bIns="45720" numCol="1" anchor="t" anchorCtr="0" compatLnSpc="1">
+          <a:bodyPr vert="horz" wrap="square" lIns="89408" tIns="44704" rIns="89408" bIns="44704" numCol="1" anchor="t" anchorCtr="0" compatLnSpc="1">
             <a:prstTxWarp prst="textNoShape">
               <a:avLst/>
             </a:prstTxWarp>
           </a:bodyPr>
           <a:lstStyle/>
           <a:p>
-            <a:endParaRPr lang="en-US" dirty="0"/>
+            <a:endParaRPr lang="en-US" sz="1760" dirty="0"/>
           </a:p>
         </p:txBody>
       </p:sp>
@@ -5066,8 +5066,8 @@
         </p:nvSpPr>
         <p:spPr bwMode="auto">
           <a:xfrm>
-            <a:off x="460375" y="160337"/>
-            <a:ext cx="304800" cy="304801"/>
+            <a:off x="450144" y="212654"/>
+            <a:ext cx="298027" cy="298028"/>
           </a:xfrm>
           <a:prstGeom prst="rect">
             <a:avLst/>
@@ -5084,14 +5084,14 @@
           </a:extLst>
         </p:spPr>
         <p:txBody>
-          <a:bodyPr vert="horz" wrap="square" lIns="91440" tIns="45720" rIns="91440" bIns="45720" numCol="1" anchor="t" anchorCtr="0" compatLnSpc="1">
+          <a:bodyPr vert="horz" wrap="square" lIns="89408" tIns="44704" rIns="89408" bIns="44704" numCol="1" anchor="t" anchorCtr="0" compatLnSpc="1">
             <a:prstTxWarp prst="textNoShape">
               <a:avLst/>
             </a:prstTxWarp>
           </a:bodyPr>
           <a:lstStyle/>
           <a:p>
-            <a:endParaRPr lang="en-US" dirty="0"/>
+            <a:endParaRPr lang="en-US" sz="1760" dirty="0"/>
           </a:p>
         </p:txBody>
       </p:sp>
@@ -5103,8 +5103,8 @@
         </p:nvSpPr>
         <p:spPr>
           <a:xfrm>
-            <a:off x="3260102" y="21838"/>
-            <a:ext cx="3140697" cy="276999"/>
+            <a:off x="3187656" y="77233"/>
+            <a:ext cx="3070904" cy="270843"/>
           </a:xfrm>
           <a:prstGeom prst="rect">
             <a:avLst/>
@@ -5226,7 +5226,7 @@
           <a:p>
             <a:pPr algn="ctr"/>
             <a:r>
-              <a:rPr lang="en-US" sz="1200" dirty="0"/>
+              <a:rPr lang="en-US" sz="1173" dirty="0"/>
               <a:t>Introduction to Web Service Application Layers</a:t>
             </a:r>
           </a:p>
@@ -5246,8 +5246,8 @@
         </p:nvSpPr>
         <p:spPr>
           <a:xfrm>
-            <a:off x="2286000" y="2052935"/>
-            <a:ext cx="4572000" cy="923330"/>
+            <a:off x="2235200" y="2063194"/>
+            <a:ext cx="4470400" cy="902812"/>
           </a:xfrm>
           <a:prstGeom prst="rect">
             <a:avLst/>
@@ -5260,7 +5260,7 @@
           <a:lstStyle/>
           <a:p>
             <a:r>
-              <a:rPr lang="en-US" dirty="0"/>
+              <a:rPr lang="en-US" sz="1760" dirty="0"/>
               <a:t>E:\udemy\[FreeTutorials.Us] Udemy - RESTful Web Services, Java, Spring Boot, Spring MVC and JPA\1. Introduction</a:t>
             </a:r>
           </a:p>

--- a/Later/RESTFul_Spring_2/1/Introduction to Web Service Application Layers.pptx
+++ b/Later/RESTFul_Spring_2/1/Introduction to Web Service Application Layers.pptx
@@ -223,7 +223,7 @@
           <a:p>
             <a:fld id="{62274EC6-3890-417B-9308-14EFBD00FA63}" type="datetimeFigureOut">
               <a:rPr lang="en-US" smtClean="0"/>
-              <a:t>4/19/2021</a:t>
+              <a:t>4/27/2021</a:t>
             </a:fld>
             <a:endParaRPr lang="en-US" dirty="0"/>
           </a:p>
@@ -741,7 +741,7 @@
                 </a:solidFill>
               </a:defRPr>
             </a:lvl1pPr>
-            <a:lvl2pPr marL="447050" indent="0" algn="ctr">
+            <a:lvl2pPr marL="447039" indent="0" algn="ctr">
               <a:buNone/>
               <a:defRPr>
                 <a:solidFill>
@@ -751,7 +751,7 @@
                 </a:solidFill>
               </a:defRPr>
             </a:lvl2pPr>
-            <a:lvl3pPr marL="894100" indent="0" algn="ctr">
+            <a:lvl3pPr marL="894078" indent="0" algn="ctr">
               <a:buNone/>
               <a:defRPr>
                 <a:solidFill>
@@ -761,7 +761,7 @@
                 </a:solidFill>
               </a:defRPr>
             </a:lvl3pPr>
-            <a:lvl4pPr marL="1341150" indent="0" algn="ctr">
+            <a:lvl4pPr marL="1341117" indent="0" algn="ctr">
               <a:buNone/>
               <a:defRPr>
                 <a:solidFill>
@@ -771,7 +771,7 @@
                 </a:solidFill>
               </a:defRPr>
             </a:lvl4pPr>
-            <a:lvl5pPr marL="1788201" indent="0" algn="ctr">
+            <a:lvl5pPr marL="1788157" indent="0" algn="ctr">
               <a:buNone/>
               <a:defRPr>
                 <a:solidFill>
@@ -781,7 +781,7 @@
                 </a:solidFill>
               </a:defRPr>
             </a:lvl5pPr>
-            <a:lvl6pPr marL="2235251" indent="0" algn="ctr">
+            <a:lvl6pPr marL="2235195" indent="0" algn="ctr">
               <a:buNone/>
               <a:defRPr>
                 <a:solidFill>
@@ -791,7 +791,7 @@
                 </a:solidFill>
               </a:defRPr>
             </a:lvl6pPr>
-            <a:lvl7pPr marL="2682301" indent="0" algn="ctr">
+            <a:lvl7pPr marL="2682234" indent="0" algn="ctr">
               <a:buNone/>
               <a:defRPr>
                 <a:solidFill>
@@ -801,7 +801,7 @@
                 </a:solidFill>
               </a:defRPr>
             </a:lvl7pPr>
-            <a:lvl8pPr marL="3129351" indent="0" algn="ctr">
+            <a:lvl8pPr marL="3129272" indent="0" algn="ctr">
               <a:buNone/>
               <a:defRPr>
                 <a:solidFill>
@@ -811,7 +811,7 @@
                 </a:solidFill>
               </a:defRPr>
             </a:lvl8pPr>
-            <a:lvl9pPr marL="3576401" indent="0" algn="ctr">
+            <a:lvl9pPr marL="3576312" indent="0" algn="ctr">
               <a:buNone/>
               <a:defRPr>
                 <a:solidFill>
@@ -848,7 +848,7 @@
             <a:fld id="{1D8BD707-D9CF-40AE-B4C6-C98DA3205C09}" type="datetimeFigureOut">
               <a:rPr lang="en-US" smtClean="0"/>
               <a:pPr/>
-              <a:t>4/19/2021</a:t>
+              <a:t>4/27/2021</a:t>
             </a:fld>
             <a:endParaRPr lang="en-US" dirty="0"/>
           </a:p>
@@ -1018,7 +1018,7 @@
             <a:fld id="{1D8BD707-D9CF-40AE-B4C6-C98DA3205C09}" type="datetimeFigureOut">
               <a:rPr lang="en-US" smtClean="0"/>
               <a:pPr/>
-              <a:t>4/19/2021</a:t>
+              <a:t>4/27/2021</a:t>
             </a:fld>
             <a:endParaRPr lang="en-US" dirty="0"/>
           </a:p>
@@ -1136,7 +1136,7 @@
         </p:nvSpPr>
         <p:spPr>
           <a:xfrm>
-            <a:off x="447040" y="147850"/>
+            <a:off x="447041" y="147850"/>
             <a:ext cx="5886027" cy="3146742"/>
           </a:xfrm>
         </p:spPr>
@@ -1198,7 +1198,7 @@
             <a:fld id="{1D8BD707-D9CF-40AE-B4C6-C98DA3205C09}" type="datetimeFigureOut">
               <a:rPr lang="en-US" smtClean="0"/>
               <a:pPr/>
-              <a:t>4/19/2021</a:t>
+              <a:t>4/27/2021</a:t>
             </a:fld>
             <a:endParaRPr lang="en-US" dirty="0"/>
           </a:p>
@@ -1368,7 +1368,7 @@
             <a:fld id="{1D8BD707-D9CF-40AE-B4C6-C98DA3205C09}" type="datetimeFigureOut">
               <a:rPr lang="en-US" smtClean="0"/>
               <a:pPr/>
-              <a:t>4/19/2021</a:t>
+              <a:t>4/27/2021</a:t>
             </a:fld>
             <a:endParaRPr lang="en-US" dirty="0"/>
           </a:p>
@@ -1459,7 +1459,7 @@
         </p:nvSpPr>
         <p:spPr>
           <a:xfrm>
-            <a:off x="706262" y="3231730"/>
+            <a:off x="706263" y="3231734"/>
             <a:ext cx="7599680" cy="998855"/>
           </a:xfrm>
         </p:spPr>
@@ -1490,7 +1490,7 @@
         </p:nvSpPr>
         <p:spPr>
           <a:xfrm>
-            <a:off x="706262" y="2131593"/>
+            <a:off x="706263" y="2131597"/>
             <a:ext cx="7599680" cy="1100137"/>
           </a:xfrm>
         </p:spPr>
@@ -1507,7 +1507,7 @@
                 </a:solidFill>
               </a:defRPr>
             </a:lvl1pPr>
-            <a:lvl2pPr marL="447050" indent="0">
+            <a:lvl2pPr marL="447039" indent="0">
               <a:buNone/>
               <a:defRPr sz="1760">
                 <a:solidFill>
@@ -1517,7 +1517,7 @@
                 </a:solidFill>
               </a:defRPr>
             </a:lvl2pPr>
-            <a:lvl3pPr marL="894100" indent="0">
+            <a:lvl3pPr marL="894078" indent="0">
               <a:buNone/>
               <a:defRPr sz="1564">
                 <a:solidFill>
@@ -1527,7 +1527,7 @@
                 </a:solidFill>
               </a:defRPr>
             </a:lvl3pPr>
-            <a:lvl4pPr marL="1341150" indent="0">
+            <a:lvl4pPr marL="1341117" indent="0">
               <a:buNone/>
               <a:defRPr sz="1369">
                 <a:solidFill>
@@ -1537,7 +1537,7 @@
                 </a:solidFill>
               </a:defRPr>
             </a:lvl4pPr>
-            <a:lvl5pPr marL="1788201" indent="0">
+            <a:lvl5pPr marL="1788157" indent="0">
               <a:buNone/>
               <a:defRPr sz="1369">
                 <a:solidFill>
@@ -1547,7 +1547,7 @@
                 </a:solidFill>
               </a:defRPr>
             </a:lvl5pPr>
-            <a:lvl6pPr marL="2235251" indent="0">
+            <a:lvl6pPr marL="2235195" indent="0">
               <a:buNone/>
               <a:defRPr sz="1369">
                 <a:solidFill>
@@ -1557,7 +1557,7 @@
                 </a:solidFill>
               </a:defRPr>
             </a:lvl6pPr>
-            <a:lvl7pPr marL="2682301" indent="0">
+            <a:lvl7pPr marL="2682234" indent="0">
               <a:buNone/>
               <a:defRPr sz="1369">
                 <a:solidFill>
@@ -1567,7 +1567,7 @@
                 </a:solidFill>
               </a:defRPr>
             </a:lvl7pPr>
-            <a:lvl8pPr marL="3129351" indent="0">
+            <a:lvl8pPr marL="3129272" indent="0">
               <a:buNone/>
               <a:defRPr sz="1369">
                 <a:solidFill>
@@ -1577,7 +1577,7 @@
                 </a:solidFill>
               </a:defRPr>
             </a:lvl8pPr>
-            <a:lvl9pPr marL="3576401" indent="0">
+            <a:lvl9pPr marL="3576312" indent="0">
               <a:buNone/>
               <a:defRPr sz="1369">
                 <a:solidFill>
@@ -1615,7 +1615,7 @@
             <a:fld id="{1D8BD707-D9CF-40AE-B4C6-C98DA3205C09}" type="datetimeFigureOut">
               <a:rPr lang="en-US" smtClean="0"/>
               <a:pPr/>
-              <a:t>4/19/2021</a:t>
+              <a:t>4/27/2021</a:t>
             </a:fld>
             <a:endParaRPr lang="en-US" dirty="0"/>
           </a:p>
@@ -1736,7 +1736,7 @@
           <a:bodyPr/>
           <a:lstStyle>
             <a:lvl1pPr>
-              <a:defRPr sz="2738"/>
+              <a:defRPr sz="2739"/>
             </a:lvl1pPr>
             <a:lvl2pPr>
               <a:defRPr sz="2347"/>
@@ -1812,7 +1812,7 @@
         </p:nvSpPr>
         <p:spPr>
           <a:xfrm>
-            <a:off x="4544907" y="860320"/>
+            <a:off x="4544908" y="860320"/>
             <a:ext cx="3948853" cy="2434272"/>
           </a:xfrm>
         </p:spPr>
@@ -1820,7 +1820,7 @@
           <a:bodyPr/>
           <a:lstStyle>
             <a:lvl1pPr>
-              <a:defRPr sz="2738"/>
+              <a:defRPr sz="2739"/>
             </a:lvl1pPr>
             <a:lvl2pPr>
               <a:defRPr sz="2347"/>
@@ -1902,7 +1902,7 @@
             <a:fld id="{1D8BD707-D9CF-40AE-B4C6-C98DA3205C09}" type="datetimeFigureOut">
               <a:rPr lang="en-US" smtClean="0"/>
               <a:pPr/>
-              <a:t>4/19/2021</a:t>
+              <a:t>4/27/2021</a:t>
             </a:fld>
             <a:endParaRPr lang="en-US" dirty="0"/>
           </a:p>
@@ -2024,8 +2024,8 @@
         </p:nvSpPr>
         <p:spPr>
           <a:xfrm>
-            <a:off x="447040" y="1125750"/>
-            <a:ext cx="3950406" cy="469159"/>
+            <a:off x="447042" y="1125754"/>
+            <a:ext cx="3950407" cy="469159"/>
           </a:xfrm>
         </p:spPr>
         <p:txBody>
@@ -2035,35 +2035,35 @@
               <a:buNone/>
               <a:defRPr sz="2347" b="1"/>
             </a:lvl1pPr>
-            <a:lvl2pPr marL="447050" indent="0">
+            <a:lvl2pPr marL="447039" indent="0">
               <a:buNone/>
               <a:defRPr sz="1956" b="1"/>
             </a:lvl2pPr>
-            <a:lvl3pPr marL="894100" indent="0">
+            <a:lvl3pPr marL="894078" indent="0">
               <a:buNone/>
               <a:defRPr sz="1760" b="1"/>
             </a:lvl3pPr>
-            <a:lvl4pPr marL="1341150" indent="0">
+            <a:lvl4pPr marL="1341117" indent="0">
               <a:buNone/>
               <a:defRPr sz="1564" b="1"/>
             </a:lvl4pPr>
-            <a:lvl5pPr marL="1788201" indent="0">
+            <a:lvl5pPr marL="1788157" indent="0">
               <a:buNone/>
               <a:defRPr sz="1564" b="1"/>
             </a:lvl5pPr>
-            <a:lvl6pPr marL="2235251" indent="0">
+            <a:lvl6pPr marL="2235195" indent="0">
               <a:buNone/>
               <a:defRPr sz="1564" b="1"/>
             </a:lvl6pPr>
-            <a:lvl7pPr marL="2682301" indent="0">
+            <a:lvl7pPr marL="2682234" indent="0">
               <a:buNone/>
               <a:defRPr sz="1564" b="1"/>
             </a:lvl7pPr>
-            <a:lvl8pPr marL="3129351" indent="0">
+            <a:lvl8pPr marL="3129272" indent="0">
               <a:buNone/>
               <a:defRPr sz="1564" b="1"/>
             </a:lvl8pPr>
-            <a:lvl9pPr marL="3576401" indent="0">
+            <a:lvl9pPr marL="3576312" indent="0">
               <a:buNone/>
               <a:defRPr sz="1564" b="1"/>
             </a:lvl9pPr>
@@ -2089,8 +2089,8 @@
         </p:nvSpPr>
         <p:spPr>
           <a:xfrm>
-            <a:off x="447040" y="1594909"/>
-            <a:ext cx="3950406" cy="2897611"/>
+            <a:off x="447042" y="1594913"/>
+            <a:ext cx="3950407" cy="2897611"/>
           </a:xfrm>
         </p:spPr>
         <p:txBody>
@@ -2173,8 +2173,8 @@
         </p:nvSpPr>
         <p:spPr>
           <a:xfrm>
-            <a:off x="4541807" y="1125750"/>
-            <a:ext cx="3951958" cy="469159"/>
+            <a:off x="4541809" y="1125754"/>
+            <a:ext cx="3951959" cy="469159"/>
           </a:xfrm>
         </p:spPr>
         <p:txBody>
@@ -2184,35 +2184,35 @@
               <a:buNone/>
               <a:defRPr sz="2347" b="1"/>
             </a:lvl1pPr>
-            <a:lvl2pPr marL="447050" indent="0">
+            <a:lvl2pPr marL="447039" indent="0">
               <a:buNone/>
               <a:defRPr sz="1956" b="1"/>
             </a:lvl2pPr>
-            <a:lvl3pPr marL="894100" indent="0">
+            <a:lvl3pPr marL="894078" indent="0">
               <a:buNone/>
               <a:defRPr sz="1760" b="1"/>
             </a:lvl3pPr>
-            <a:lvl4pPr marL="1341150" indent="0">
+            <a:lvl4pPr marL="1341117" indent="0">
               <a:buNone/>
               <a:defRPr sz="1564" b="1"/>
             </a:lvl4pPr>
-            <a:lvl5pPr marL="1788201" indent="0">
+            <a:lvl5pPr marL="1788157" indent="0">
               <a:buNone/>
               <a:defRPr sz="1564" b="1"/>
             </a:lvl5pPr>
-            <a:lvl6pPr marL="2235251" indent="0">
+            <a:lvl6pPr marL="2235195" indent="0">
               <a:buNone/>
               <a:defRPr sz="1564" b="1"/>
             </a:lvl6pPr>
-            <a:lvl7pPr marL="2682301" indent="0">
+            <a:lvl7pPr marL="2682234" indent="0">
               <a:buNone/>
               <a:defRPr sz="1564" b="1"/>
             </a:lvl7pPr>
-            <a:lvl8pPr marL="3129351" indent="0">
+            <a:lvl8pPr marL="3129272" indent="0">
               <a:buNone/>
               <a:defRPr sz="1564" b="1"/>
             </a:lvl8pPr>
-            <a:lvl9pPr marL="3576401" indent="0">
+            <a:lvl9pPr marL="3576312" indent="0">
               <a:buNone/>
               <a:defRPr sz="1564" b="1"/>
             </a:lvl9pPr>
@@ -2238,8 +2238,8 @@
         </p:nvSpPr>
         <p:spPr>
           <a:xfrm>
-            <a:off x="4541807" y="1594909"/>
-            <a:ext cx="3951958" cy="2897611"/>
+            <a:off x="4541809" y="1594913"/>
+            <a:ext cx="3951959" cy="2897611"/>
           </a:xfrm>
         </p:spPr>
         <p:txBody>
@@ -2328,7 +2328,7 @@
             <a:fld id="{1D8BD707-D9CF-40AE-B4C6-C98DA3205C09}" type="datetimeFigureOut">
               <a:rPr lang="en-US" smtClean="0"/>
               <a:pPr/>
-              <a:t>4/19/2021</a:t>
+              <a:t>4/27/2021</a:t>
             </a:fld>
             <a:endParaRPr lang="en-US" dirty="0"/>
           </a:p>
@@ -2447,7 +2447,7 @@
             <a:fld id="{1D8BD707-D9CF-40AE-B4C6-C98DA3205C09}" type="datetimeFigureOut">
               <a:rPr lang="en-US" smtClean="0"/>
               <a:pPr/>
-              <a:t>4/19/2021</a:t>
+              <a:t>4/27/2021</a:t>
             </a:fld>
             <a:endParaRPr lang="en-US" dirty="0"/>
           </a:p>
@@ -2544,7 +2544,7 @@
             <a:fld id="{1D8BD707-D9CF-40AE-B4C6-C98DA3205C09}" type="datetimeFigureOut">
               <a:rPr lang="en-US" smtClean="0"/>
               <a:pPr/>
-              <a:t>4/19/2021</a:t>
+              <a:t>4/27/2021</a:t>
             </a:fld>
             <a:endParaRPr lang="en-US" dirty="0"/>
           </a:p>
@@ -2635,8 +2635,8 @@
         </p:nvSpPr>
         <p:spPr>
           <a:xfrm>
-            <a:off x="447045" y="200237"/>
-            <a:ext cx="2941462" cy="852170"/>
+            <a:off x="447047" y="200237"/>
+            <a:ext cx="2941463" cy="852170"/>
           </a:xfrm>
         </p:spPr>
         <p:txBody>
@@ -2666,7 +2666,7 @@
         </p:nvSpPr>
         <p:spPr>
           <a:xfrm>
-            <a:off x="3495604" y="200240"/>
+            <a:off x="3495606" y="200244"/>
             <a:ext cx="4998156" cy="4292283"/>
           </a:xfrm>
         </p:spPr>
@@ -2677,7 +2677,7 @@
               <a:defRPr sz="3129"/>
             </a:lvl1pPr>
             <a:lvl2pPr>
-              <a:defRPr sz="2738"/>
+              <a:defRPr sz="2739"/>
             </a:lvl2pPr>
             <a:lvl3pPr>
               <a:defRPr sz="2347"/>
@@ -2750,8 +2750,8 @@
         </p:nvSpPr>
         <p:spPr>
           <a:xfrm>
-            <a:off x="447045" y="1052410"/>
-            <a:ext cx="2941462" cy="3440113"/>
+            <a:off x="447047" y="1052414"/>
+            <a:ext cx="2941463" cy="3440113"/>
           </a:xfrm>
         </p:spPr>
         <p:txBody>
@@ -2761,35 +2761,35 @@
               <a:buNone/>
               <a:defRPr sz="1369"/>
             </a:lvl1pPr>
-            <a:lvl2pPr marL="447050" indent="0">
+            <a:lvl2pPr marL="447039" indent="0">
               <a:buNone/>
               <a:defRPr sz="1173"/>
             </a:lvl2pPr>
-            <a:lvl3pPr marL="894100" indent="0">
-              <a:buNone/>
-              <a:defRPr sz="978"/>
+            <a:lvl3pPr marL="894078" indent="0">
+              <a:buNone/>
+              <a:defRPr sz="979"/>
             </a:lvl3pPr>
-            <a:lvl4pPr marL="1341150" indent="0">
+            <a:lvl4pPr marL="1341117" indent="0">
               <a:buNone/>
               <a:defRPr sz="880"/>
             </a:lvl4pPr>
-            <a:lvl5pPr marL="1788201" indent="0">
+            <a:lvl5pPr marL="1788157" indent="0">
               <a:buNone/>
               <a:defRPr sz="880"/>
             </a:lvl5pPr>
-            <a:lvl6pPr marL="2235251" indent="0">
+            <a:lvl6pPr marL="2235195" indent="0">
               <a:buNone/>
               <a:defRPr sz="880"/>
             </a:lvl6pPr>
-            <a:lvl7pPr marL="2682301" indent="0">
+            <a:lvl7pPr marL="2682234" indent="0">
               <a:buNone/>
               <a:defRPr sz="880"/>
             </a:lvl7pPr>
-            <a:lvl8pPr marL="3129351" indent="0">
+            <a:lvl8pPr marL="3129272" indent="0">
               <a:buNone/>
               <a:defRPr sz="880"/>
             </a:lvl8pPr>
-            <a:lvl9pPr marL="3576401" indent="0">
+            <a:lvl9pPr marL="3576312" indent="0">
               <a:buNone/>
               <a:defRPr sz="880"/>
             </a:lvl9pPr>
@@ -2821,7 +2821,7 @@
             <a:fld id="{1D8BD707-D9CF-40AE-B4C6-C98DA3205C09}" type="datetimeFigureOut">
               <a:rPr lang="en-US" smtClean="0"/>
               <a:pPr/>
-              <a:t>4/19/2021</a:t>
+              <a:t>4/27/2021</a:t>
             </a:fld>
             <a:endParaRPr lang="en-US" dirty="0"/>
           </a:p>
@@ -2954,35 +2954,35 @@
               <a:buNone/>
               <a:defRPr sz="3129"/>
             </a:lvl1pPr>
-            <a:lvl2pPr marL="447050" indent="0">
-              <a:buNone/>
-              <a:defRPr sz="2738"/>
+            <a:lvl2pPr marL="447039" indent="0">
+              <a:buNone/>
+              <a:defRPr sz="2739"/>
             </a:lvl2pPr>
-            <a:lvl3pPr marL="894100" indent="0">
+            <a:lvl3pPr marL="894078" indent="0">
               <a:buNone/>
               <a:defRPr sz="2347"/>
             </a:lvl3pPr>
-            <a:lvl4pPr marL="1341150" indent="0">
+            <a:lvl4pPr marL="1341117" indent="0">
               <a:buNone/>
               <a:defRPr sz="1956"/>
             </a:lvl4pPr>
-            <a:lvl5pPr marL="1788201" indent="0">
+            <a:lvl5pPr marL="1788157" indent="0">
               <a:buNone/>
               <a:defRPr sz="1956"/>
             </a:lvl5pPr>
-            <a:lvl6pPr marL="2235251" indent="0">
+            <a:lvl6pPr marL="2235195" indent="0">
               <a:buNone/>
               <a:defRPr sz="1956"/>
             </a:lvl6pPr>
-            <a:lvl7pPr marL="2682301" indent="0">
+            <a:lvl7pPr marL="2682234" indent="0">
               <a:buNone/>
               <a:defRPr sz="1956"/>
             </a:lvl7pPr>
-            <a:lvl8pPr marL="3129351" indent="0">
+            <a:lvl8pPr marL="3129272" indent="0">
               <a:buNone/>
               <a:defRPr sz="1956"/>
             </a:lvl8pPr>
-            <a:lvl9pPr marL="3576401" indent="0">
+            <a:lvl9pPr marL="3576312" indent="0">
               <a:buNone/>
               <a:defRPr sz="1956"/>
             </a:lvl9pPr>
@@ -3015,35 +3015,35 @@
               <a:buNone/>
               <a:defRPr sz="1369"/>
             </a:lvl1pPr>
-            <a:lvl2pPr marL="447050" indent="0">
+            <a:lvl2pPr marL="447039" indent="0">
               <a:buNone/>
               <a:defRPr sz="1173"/>
             </a:lvl2pPr>
-            <a:lvl3pPr marL="894100" indent="0">
-              <a:buNone/>
-              <a:defRPr sz="978"/>
+            <a:lvl3pPr marL="894078" indent="0">
+              <a:buNone/>
+              <a:defRPr sz="979"/>
             </a:lvl3pPr>
-            <a:lvl4pPr marL="1341150" indent="0">
+            <a:lvl4pPr marL="1341117" indent="0">
               <a:buNone/>
               <a:defRPr sz="880"/>
             </a:lvl4pPr>
-            <a:lvl5pPr marL="1788201" indent="0">
+            <a:lvl5pPr marL="1788157" indent="0">
               <a:buNone/>
               <a:defRPr sz="880"/>
             </a:lvl5pPr>
-            <a:lvl6pPr marL="2235251" indent="0">
+            <a:lvl6pPr marL="2235195" indent="0">
               <a:buNone/>
               <a:defRPr sz="880"/>
             </a:lvl6pPr>
-            <a:lvl7pPr marL="2682301" indent="0">
+            <a:lvl7pPr marL="2682234" indent="0">
               <a:buNone/>
               <a:defRPr sz="880"/>
             </a:lvl7pPr>
-            <a:lvl8pPr marL="3129351" indent="0">
+            <a:lvl8pPr marL="3129272" indent="0">
               <a:buNone/>
               <a:defRPr sz="880"/>
             </a:lvl8pPr>
-            <a:lvl9pPr marL="3576401" indent="0">
+            <a:lvl9pPr marL="3576312" indent="0">
               <a:buNone/>
               <a:defRPr sz="880"/>
             </a:lvl9pPr>
@@ -3075,7 +3075,7 @@
             <a:fld id="{1D8BD707-D9CF-40AE-B4C6-C98DA3205C09}" type="datetimeFigureOut">
               <a:rPr lang="en-US" smtClean="0"/>
               <a:pPr/>
-              <a:t>4/19/2021</a:t>
+              <a:t>4/27/2021</a:t>
             </a:fld>
             <a:endParaRPr lang="en-US" dirty="0"/>
           </a:p>
@@ -3264,7 +3264,7 @@
         </p:nvSpPr>
         <p:spPr>
           <a:xfrm>
-            <a:off x="447040" y="4661325"/>
+            <a:off x="447041" y="4661325"/>
             <a:ext cx="2086187" cy="267758"/>
           </a:xfrm>
           <a:prstGeom prst="rect">
@@ -3288,7 +3288,7 @@
             <a:fld id="{1D8BD707-D9CF-40AE-B4C6-C98DA3205C09}" type="datetimeFigureOut">
               <a:rPr lang="en-US" smtClean="0"/>
               <a:pPr/>
-              <a:t>4/19/2021</a:t>
+              <a:t>4/27/2021</a:t>
             </a:fld>
             <a:endParaRPr lang="en-US" dirty="0"/>
           </a:p>
@@ -3306,7 +3306,7 @@
         </p:nvSpPr>
         <p:spPr>
           <a:xfrm>
-            <a:off x="3054774" y="4661325"/>
+            <a:off x="3054776" y="4661325"/>
             <a:ext cx="2831253" cy="267758"/>
           </a:xfrm>
           <a:prstGeom prst="rect">
@@ -3396,12 +3396,12 @@
   </p:sldLayoutIdLst>
   <p:txStyles>
     <p:titleStyle>
-      <a:lvl1pPr algn="ctr" defTabSz="894100" rtl="0" eaLnBrk="1" latinLnBrk="0" hangingPunct="1">
+      <a:lvl1pPr algn="ctr" defTabSz="894078" rtl="0" eaLnBrk="1" latinLnBrk="0" hangingPunct="1">
         <a:spcBef>
           <a:spcPct val="0"/>
         </a:spcBef>
         <a:buNone/>
-        <a:defRPr sz="4302" kern="1200">
+        <a:defRPr sz="4303" kern="1200">
           <a:solidFill>
             <a:schemeClr val="tx1"/>
           </a:solidFill>
@@ -3412,7 +3412,7 @@
       </a:lvl1pPr>
     </p:titleStyle>
     <p:bodyStyle>
-      <a:lvl1pPr marL="335288" indent="-335288" algn="l" defTabSz="894100" rtl="0" eaLnBrk="1" latinLnBrk="0" hangingPunct="1">
+      <a:lvl1pPr marL="335280" indent="-335280" algn="l" defTabSz="894078" rtl="0" eaLnBrk="1" latinLnBrk="0" hangingPunct="1">
         <a:spcBef>
           <a:spcPct val="20000"/>
         </a:spcBef>
@@ -3427,13 +3427,13 @@
           <a:cs typeface="+mn-cs"/>
         </a:defRPr>
       </a:lvl1pPr>
-      <a:lvl2pPr marL="726457" indent="-279406" algn="l" defTabSz="894100" rtl="0" eaLnBrk="1" latinLnBrk="0" hangingPunct="1">
+      <a:lvl2pPr marL="726439" indent="-279400" algn="l" defTabSz="894078" rtl="0" eaLnBrk="1" latinLnBrk="0" hangingPunct="1">
         <a:spcBef>
           <a:spcPct val="20000"/>
         </a:spcBef>
         <a:buFont typeface="Arial" pitchFamily="34" charset="0"/>
         <a:buChar char="–"/>
-        <a:defRPr sz="2738" kern="1200">
+        <a:defRPr sz="2739" kern="1200">
           <a:solidFill>
             <a:schemeClr val="tx1"/>
           </a:solidFill>
@@ -3442,7 +3442,7 @@
           <a:cs typeface="+mn-cs"/>
         </a:defRPr>
       </a:lvl2pPr>
-      <a:lvl3pPr marL="1117625" indent="-223525" algn="l" defTabSz="894100" rtl="0" eaLnBrk="1" latinLnBrk="0" hangingPunct="1">
+      <a:lvl3pPr marL="1117597" indent="-223520" algn="l" defTabSz="894078" rtl="0" eaLnBrk="1" latinLnBrk="0" hangingPunct="1">
         <a:spcBef>
           <a:spcPct val="20000"/>
         </a:spcBef>
@@ -3457,7 +3457,7 @@
           <a:cs typeface="+mn-cs"/>
         </a:defRPr>
       </a:lvl3pPr>
-      <a:lvl4pPr marL="1564676" indent="-223525" algn="l" defTabSz="894100" rtl="0" eaLnBrk="1" latinLnBrk="0" hangingPunct="1">
+      <a:lvl4pPr marL="1564637" indent="-223520" algn="l" defTabSz="894078" rtl="0" eaLnBrk="1" latinLnBrk="0" hangingPunct="1">
         <a:spcBef>
           <a:spcPct val="20000"/>
         </a:spcBef>
@@ -3472,7 +3472,7 @@
           <a:cs typeface="+mn-cs"/>
         </a:defRPr>
       </a:lvl4pPr>
-      <a:lvl5pPr marL="2011726" indent="-223525" algn="l" defTabSz="894100" rtl="0" eaLnBrk="1" latinLnBrk="0" hangingPunct="1">
+      <a:lvl5pPr marL="2011676" indent="-223520" algn="l" defTabSz="894078" rtl="0" eaLnBrk="1" latinLnBrk="0" hangingPunct="1">
         <a:spcBef>
           <a:spcPct val="20000"/>
         </a:spcBef>
@@ -3487,7 +3487,7 @@
           <a:cs typeface="+mn-cs"/>
         </a:defRPr>
       </a:lvl5pPr>
-      <a:lvl6pPr marL="2458776" indent="-223525" algn="l" defTabSz="894100" rtl="0" eaLnBrk="1" latinLnBrk="0" hangingPunct="1">
+      <a:lvl6pPr marL="2458715" indent="-223520" algn="l" defTabSz="894078" rtl="0" eaLnBrk="1" latinLnBrk="0" hangingPunct="1">
         <a:spcBef>
           <a:spcPct val="20000"/>
         </a:spcBef>
@@ -3502,7 +3502,7 @@
           <a:cs typeface="+mn-cs"/>
         </a:defRPr>
       </a:lvl6pPr>
-      <a:lvl7pPr marL="2905826" indent="-223525" algn="l" defTabSz="894100" rtl="0" eaLnBrk="1" latinLnBrk="0" hangingPunct="1">
+      <a:lvl7pPr marL="2905754" indent="-223520" algn="l" defTabSz="894078" rtl="0" eaLnBrk="1" latinLnBrk="0" hangingPunct="1">
         <a:spcBef>
           <a:spcPct val="20000"/>
         </a:spcBef>
@@ -3517,7 +3517,7 @@
           <a:cs typeface="+mn-cs"/>
         </a:defRPr>
       </a:lvl7pPr>
-      <a:lvl8pPr marL="3352876" indent="-223525" algn="l" defTabSz="894100" rtl="0" eaLnBrk="1" latinLnBrk="0" hangingPunct="1">
+      <a:lvl8pPr marL="3352792" indent="-223520" algn="l" defTabSz="894078" rtl="0" eaLnBrk="1" latinLnBrk="0" hangingPunct="1">
         <a:spcBef>
           <a:spcPct val="20000"/>
         </a:spcBef>
@@ -3532,7 +3532,7 @@
           <a:cs typeface="+mn-cs"/>
         </a:defRPr>
       </a:lvl8pPr>
-      <a:lvl9pPr marL="3799926" indent="-223525" algn="l" defTabSz="894100" rtl="0" eaLnBrk="1" latinLnBrk="0" hangingPunct="1">
+      <a:lvl9pPr marL="3799832" indent="-223520" algn="l" defTabSz="894078" rtl="0" eaLnBrk="1" latinLnBrk="0" hangingPunct="1">
         <a:spcBef>
           <a:spcPct val="20000"/>
         </a:spcBef>
@@ -3552,7 +3552,7 @@
       <a:defPPr>
         <a:defRPr lang="en-US"/>
       </a:defPPr>
-      <a:lvl1pPr marL="0" algn="l" defTabSz="894100" rtl="0" eaLnBrk="1" latinLnBrk="0" hangingPunct="1">
+      <a:lvl1pPr marL="0" algn="l" defTabSz="894078" rtl="0" eaLnBrk="1" latinLnBrk="0" hangingPunct="1">
         <a:defRPr sz="1760" kern="1200">
           <a:solidFill>
             <a:schemeClr val="tx1"/>
@@ -3562,7 +3562,7 @@
           <a:cs typeface="+mn-cs"/>
         </a:defRPr>
       </a:lvl1pPr>
-      <a:lvl2pPr marL="447050" algn="l" defTabSz="894100" rtl="0" eaLnBrk="1" latinLnBrk="0" hangingPunct="1">
+      <a:lvl2pPr marL="447039" algn="l" defTabSz="894078" rtl="0" eaLnBrk="1" latinLnBrk="0" hangingPunct="1">
         <a:defRPr sz="1760" kern="1200">
           <a:solidFill>
             <a:schemeClr val="tx1"/>
@@ -3572,7 +3572,7 @@
           <a:cs typeface="+mn-cs"/>
         </a:defRPr>
       </a:lvl2pPr>
-      <a:lvl3pPr marL="894100" algn="l" defTabSz="894100" rtl="0" eaLnBrk="1" latinLnBrk="0" hangingPunct="1">
+      <a:lvl3pPr marL="894078" algn="l" defTabSz="894078" rtl="0" eaLnBrk="1" latinLnBrk="0" hangingPunct="1">
         <a:defRPr sz="1760" kern="1200">
           <a:solidFill>
             <a:schemeClr val="tx1"/>
@@ -3582,7 +3582,7 @@
           <a:cs typeface="+mn-cs"/>
         </a:defRPr>
       </a:lvl3pPr>
-      <a:lvl4pPr marL="1341150" algn="l" defTabSz="894100" rtl="0" eaLnBrk="1" latinLnBrk="0" hangingPunct="1">
+      <a:lvl4pPr marL="1341117" algn="l" defTabSz="894078" rtl="0" eaLnBrk="1" latinLnBrk="0" hangingPunct="1">
         <a:defRPr sz="1760" kern="1200">
           <a:solidFill>
             <a:schemeClr val="tx1"/>
@@ -3592,7 +3592,7 @@
           <a:cs typeface="+mn-cs"/>
         </a:defRPr>
       </a:lvl4pPr>
-      <a:lvl5pPr marL="1788201" algn="l" defTabSz="894100" rtl="0" eaLnBrk="1" latinLnBrk="0" hangingPunct="1">
+      <a:lvl5pPr marL="1788157" algn="l" defTabSz="894078" rtl="0" eaLnBrk="1" latinLnBrk="0" hangingPunct="1">
         <a:defRPr sz="1760" kern="1200">
           <a:solidFill>
             <a:schemeClr val="tx1"/>
@@ -3602,7 +3602,7 @@
           <a:cs typeface="+mn-cs"/>
         </a:defRPr>
       </a:lvl5pPr>
-      <a:lvl6pPr marL="2235251" algn="l" defTabSz="894100" rtl="0" eaLnBrk="1" latinLnBrk="0" hangingPunct="1">
+      <a:lvl6pPr marL="2235195" algn="l" defTabSz="894078" rtl="0" eaLnBrk="1" latinLnBrk="0" hangingPunct="1">
         <a:defRPr sz="1760" kern="1200">
           <a:solidFill>
             <a:schemeClr val="tx1"/>
@@ -3612,7 +3612,7 @@
           <a:cs typeface="+mn-cs"/>
         </a:defRPr>
       </a:lvl6pPr>
-      <a:lvl7pPr marL="2682301" algn="l" defTabSz="894100" rtl="0" eaLnBrk="1" latinLnBrk="0" hangingPunct="1">
+      <a:lvl7pPr marL="2682234" algn="l" defTabSz="894078" rtl="0" eaLnBrk="1" latinLnBrk="0" hangingPunct="1">
         <a:defRPr sz="1760" kern="1200">
           <a:solidFill>
             <a:schemeClr val="tx1"/>
@@ -3622,7 +3622,7 @@
           <a:cs typeface="+mn-cs"/>
         </a:defRPr>
       </a:lvl7pPr>
-      <a:lvl8pPr marL="3129351" algn="l" defTabSz="894100" rtl="0" eaLnBrk="1" latinLnBrk="0" hangingPunct="1">
+      <a:lvl8pPr marL="3129272" algn="l" defTabSz="894078" rtl="0" eaLnBrk="1" latinLnBrk="0" hangingPunct="1">
         <a:defRPr sz="1760" kern="1200">
           <a:solidFill>
             <a:schemeClr val="tx1"/>
@@ -3632,7 +3632,7 @@
           <a:cs typeface="+mn-cs"/>
         </a:defRPr>
       </a:lvl8pPr>
-      <a:lvl9pPr marL="3576401" algn="l" defTabSz="894100" rtl="0" eaLnBrk="1" latinLnBrk="0" hangingPunct="1">
+      <a:lvl9pPr marL="3576312" algn="l" defTabSz="894078" rtl="0" eaLnBrk="1" latinLnBrk="0" hangingPunct="1">
         <a:defRPr sz="1760" kern="1200">
           <a:solidFill>
             <a:schemeClr val="tx1"/>
@@ -3674,7 +3674,7 @@
         </p:nvSpPr>
         <p:spPr bwMode="auto">
           <a:xfrm>
-            <a:off x="152118" y="-85372"/>
+            <a:off x="152119" y="-85369"/>
             <a:ext cx="298027" cy="298028"/>
           </a:xfrm>
           <a:prstGeom prst="rect">
@@ -3713,7 +3713,7 @@
         </p:nvSpPr>
         <p:spPr bwMode="auto">
           <a:xfrm>
-            <a:off x="301131" y="63641"/>
+            <a:off x="301132" y="63645"/>
             <a:ext cx="298027" cy="298028"/>
           </a:xfrm>
           <a:prstGeom prst="rect">
@@ -3752,7 +3752,7 @@
         </p:nvSpPr>
         <p:spPr bwMode="auto">
           <a:xfrm>
-            <a:off x="450144" y="212654"/>
+            <a:off x="450145" y="212658"/>
             <a:ext cx="298027" cy="298028"/>
           </a:xfrm>
           <a:prstGeom prst="rect">
@@ -3789,8 +3789,8 @@
         </p:nvSpPr>
         <p:spPr>
           <a:xfrm>
-            <a:off x="3187656" y="77233"/>
-            <a:ext cx="3070904" cy="270843"/>
+            <a:off x="3187656" y="77234"/>
+            <a:ext cx="3070904" cy="272832"/>
           </a:xfrm>
           <a:prstGeom prst="rect">
             <a:avLst/>
@@ -3932,7 +3932,7 @@
         </p:nvSpPr>
         <p:spPr>
           <a:xfrm>
-            <a:off x="1341120" y="1098974"/>
+            <a:off x="1341120" y="1098975"/>
             <a:ext cx="1490133" cy="3501813"/>
           </a:xfrm>
           <a:prstGeom prst="rect">
@@ -4020,7 +4020,7 @@
         </p:nvSpPr>
         <p:spPr>
           <a:xfrm>
-            <a:off x="6023943" y="1091048"/>
+            <a:off x="6023944" y="1091048"/>
             <a:ext cx="1490133" cy="3501813"/>
           </a:xfrm>
           <a:prstGeom prst="rect">
@@ -4064,7 +4064,7 @@
         </p:nvSpPr>
         <p:spPr>
           <a:xfrm>
-            <a:off x="1426724" y="1993054"/>
+            <a:off x="1426728" y="1993057"/>
             <a:ext cx="1443024" cy="272832"/>
           </a:xfrm>
           <a:prstGeom prst="rect">
@@ -4113,8 +4113,8 @@
         </p:nvSpPr>
         <p:spPr>
           <a:xfrm>
-            <a:off x="1107587" y="2629883"/>
-            <a:ext cx="1156164" cy="270843"/>
+            <a:off x="1107591" y="2629887"/>
+            <a:ext cx="1162498" cy="272832"/>
           </a:xfrm>
           <a:prstGeom prst="rect">
             <a:avLst/>
@@ -4162,8 +4162,8 @@
         </p:nvSpPr>
         <p:spPr>
           <a:xfrm>
-            <a:off x="4243143" y="1993054"/>
-            <a:ext cx="959927" cy="270843"/>
+            <a:off x="4243148" y="1993057"/>
+            <a:ext cx="966931" cy="272832"/>
           </a:xfrm>
           <a:prstGeom prst="rect">
             <a:avLst/>
@@ -4210,7 +4210,7 @@
         </p:nvSpPr>
         <p:spPr>
           <a:xfrm>
-            <a:off x="3760009" y="2629883"/>
+            <a:off x="3760009" y="2629887"/>
             <a:ext cx="734496" cy="272832"/>
           </a:xfrm>
           <a:prstGeom prst="rect">
@@ -4259,8 +4259,8 @@
         </p:nvSpPr>
         <p:spPr>
           <a:xfrm>
-            <a:off x="6258559" y="1999395"/>
-            <a:ext cx="1176226" cy="270843"/>
+            <a:off x="6258563" y="1999399"/>
+            <a:ext cx="1184940" cy="272832"/>
           </a:xfrm>
           <a:prstGeom prst="rect">
             <a:avLst/>
@@ -4308,7 +4308,7 @@
         </p:nvSpPr>
         <p:spPr>
           <a:xfrm>
-            <a:off x="5896181" y="2579037"/>
+            <a:off x="5896181" y="2579040"/>
             <a:ext cx="734496" cy="272832"/>
           </a:xfrm>
           <a:prstGeom prst="rect">
@@ -4357,8 +4357,8 @@
         </p:nvSpPr>
         <p:spPr>
           <a:xfrm>
-            <a:off x="7008300" y="2571111"/>
-            <a:ext cx="852969" cy="270843"/>
+            <a:off x="7008305" y="2571115"/>
+            <a:ext cx="857927" cy="272832"/>
           </a:xfrm>
           <a:prstGeom prst="rect">
             <a:avLst/>
@@ -4406,7 +4406,7 @@
         </p:nvSpPr>
         <p:spPr>
           <a:xfrm>
-            <a:off x="1426724" y="780560"/>
+            <a:off x="1426724" y="780564"/>
             <a:ext cx="1330814" cy="272832"/>
           </a:xfrm>
           <a:prstGeom prst="rect">
@@ -4454,8 +4454,8 @@
         </p:nvSpPr>
         <p:spPr>
           <a:xfrm>
-            <a:off x="4122387" y="751885"/>
-            <a:ext cx="978234" cy="270843"/>
+            <a:off x="4122391" y="751888"/>
+            <a:ext cx="987771" cy="272832"/>
           </a:xfrm>
           <a:prstGeom prst="rect">
             <a:avLst/>
@@ -4502,7 +4502,7 @@
         </p:nvSpPr>
         <p:spPr>
           <a:xfrm>
-            <a:off x="6357416" y="751885"/>
+            <a:off x="6357417" y="751888"/>
             <a:ext cx="835485" cy="272832"/>
           </a:xfrm>
           <a:prstGeom prst="rect">
@@ -4565,7 +4565,7 @@
         </p:blipFill>
         <p:spPr bwMode="auto">
           <a:xfrm>
-            <a:off x="7822147" y="1590062"/>
+            <a:off x="7822152" y="1590066"/>
             <a:ext cx="1076825" cy="1076825"/>
           </a:xfrm>
           <a:prstGeom prst="rect">
@@ -4605,7 +4605,7 @@
         </p:blipFill>
         <p:spPr>
           <a:xfrm>
-            <a:off x="89190" y="1439064"/>
+            <a:off x="89191" y="1439065"/>
             <a:ext cx="853240" cy="1662347"/>
           </a:xfrm>
           <a:prstGeom prst="rect">
@@ -4629,8 +4629,8 @@
         </p:nvCxnSpPr>
         <p:spPr>
           <a:xfrm flipV="1">
-            <a:off x="1685670" y="2265886"/>
-            <a:ext cx="462566" cy="344739"/>
+            <a:off x="1685674" y="2265889"/>
+            <a:ext cx="462566" cy="344745"/>
           </a:xfrm>
           <a:prstGeom prst="straightConnector1">
             <a:avLst/>
@@ -4677,8 +4677,8 @@
         </p:nvCxnSpPr>
         <p:spPr>
           <a:xfrm>
-            <a:off x="2869748" y="2129470"/>
-            <a:ext cx="890261" cy="636829"/>
+            <a:off x="2869752" y="2129473"/>
+            <a:ext cx="890257" cy="636830"/>
           </a:xfrm>
           <a:prstGeom prst="straightConnector1">
             <a:avLst/>
@@ -4725,8 +4725,8 @@
         </p:nvCxnSpPr>
         <p:spPr>
           <a:xfrm flipV="1">
-            <a:off x="4127257" y="2263897"/>
-            <a:ext cx="595850" cy="365986"/>
+            <a:off x="4127257" y="2265889"/>
+            <a:ext cx="599357" cy="363998"/>
           </a:xfrm>
           <a:prstGeom prst="straightConnector1">
             <a:avLst/>
@@ -4773,8 +4773,8 @@
         </p:nvCxnSpPr>
         <p:spPr>
           <a:xfrm>
-            <a:off x="5203070" y="2128476"/>
-            <a:ext cx="693111" cy="586977"/>
+            <a:off x="5210079" y="2129473"/>
+            <a:ext cx="686102" cy="585983"/>
           </a:xfrm>
           <a:prstGeom prst="straightConnector1">
             <a:avLst/>
@@ -4821,8 +4821,8 @@
         </p:nvCxnSpPr>
         <p:spPr>
           <a:xfrm flipV="1">
-            <a:off x="6630677" y="2706533"/>
-            <a:ext cx="377623" cy="8920"/>
+            <a:off x="6630677" y="2707531"/>
+            <a:ext cx="377628" cy="7925"/>
           </a:xfrm>
           <a:prstGeom prst="straightConnector1">
             <a:avLst/>
@@ -4869,8 +4869,8 @@
         </p:nvCxnSpPr>
         <p:spPr>
           <a:xfrm flipH="1" flipV="1">
-            <a:off x="6846672" y="2270238"/>
-            <a:ext cx="588113" cy="300873"/>
+            <a:off x="6851033" y="2272231"/>
+            <a:ext cx="586236" cy="298884"/>
           </a:xfrm>
           <a:prstGeom prst="straightConnector1">
             <a:avLst/>
@@ -4917,8 +4917,8 @@
         </p:nvCxnSpPr>
         <p:spPr>
           <a:xfrm flipV="1">
-            <a:off x="7434785" y="2128475"/>
-            <a:ext cx="387362" cy="6342"/>
+            <a:off x="7443503" y="2128479"/>
+            <a:ext cx="378649" cy="7336"/>
           </a:xfrm>
           <a:prstGeom prst="straightConnector1">
             <a:avLst/>
@@ -4988,7 +4988,7 @@
         </p:nvSpPr>
         <p:spPr bwMode="auto">
           <a:xfrm>
-            <a:off x="152118" y="-85372"/>
+            <a:off x="152119" y="-85369"/>
             <a:ext cx="298027" cy="298028"/>
           </a:xfrm>
           <a:prstGeom prst="rect">
@@ -5027,7 +5027,7 @@
         </p:nvSpPr>
         <p:spPr bwMode="auto">
           <a:xfrm>
-            <a:off x="301131" y="63641"/>
+            <a:off x="301132" y="63645"/>
             <a:ext cx="298027" cy="298028"/>
           </a:xfrm>
           <a:prstGeom prst="rect">
@@ -5066,7 +5066,7 @@
         </p:nvSpPr>
         <p:spPr bwMode="auto">
           <a:xfrm>
-            <a:off x="450144" y="212654"/>
+            <a:off x="450145" y="212658"/>
             <a:ext cx="298027" cy="298028"/>
           </a:xfrm>
           <a:prstGeom prst="rect">
@@ -5103,8 +5103,8 @@
         </p:nvSpPr>
         <p:spPr>
           <a:xfrm>
-            <a:off x="3187656" y="77233"/>
-            <a:ext cx="3070904" cy="270843"/>
+            <a:off x="3187656" y="77234"/>
+            <a:ext cx="3070904" cy="272832"/>
           </a:xfrm>
           <a:prstGeom prst="rect">
             <a:avLst/>
@@ -5246,8 +5246,8 @@
         </p:nvSpPr>
         <p:spPr>
           <a:xfrm>
-            <a:off x="2235200" y="2063194"/>
-            <a:ext cx="4470400" cy="902812"/>
+            <a:off x="2235200" y="2063196"/>
+            <a:ext cx="4470400" cy="904863"/>
           </a:xfrm>
           <a:prstGeom prst="rect">
             <a:avLst/>
